--- a/bishops/cs321/resources/CS321_Lecture_13A.pptx
+++ b/bishops/cs321/resources/CS321_Lecture_13A.pptx
@@ -139,7 +139,7 @@
   </p:defaultTextStyle>
   <p:extLst>
     <p:ext uri="{EFAFB233-063F-42B5-8137-9DF3F51BA10A}">
-      <p15:sldGuideLst xmlns:p15="http://schemas.microsoft.com/office/powerpoint/2012/main"/>
+      <p15:sldGuideLst xmlns:p15="http://schemas.microsoft.com/office/powerpoint/2012/main" xmlns=""/>
     </p:ext>
   </p:extLst>
 </p:presentation>
@@ -150,7 +150,7 @@
   <p:cmAuthor id="1" name="Gregory" initials="G" lastIdx="1" clrIdx="0">
     <p:extLst>
       <p:ext uri="{19B8F6BF-5375-455C-9EA6-DF929625EA0E}">
-        <p15:presenceInfo xmlns:p15="http://schemas.microsoft.com/office/powerpoint/2012/main" userId="Gregory" providerId="None"/>
+        <p15:presenceInfo xmlns:p15="http://schemas.microsoft.com/office/powerpoint/2012/main" xmlns="" userId="Gregory" providerId="None"/>
       </p:ext>
     </p:extLst>
   </p:cmAuthor>
@@ -239,7 +239,8 @@
           <a:p>
             <a:fld id="{A6583E9D-07AB-4C6D-BFD0-47E805C6B3D4}" type="datetimeFigureOut">
               <a:rPr lang="en-CA" smtClean="0"/>
-              <a:t>2022-03-07</a:t>
+              <a:pPr/>
+              <a:t>2024-03-08</a:t>
             </a:fld>
             <a:endParaRPr lang="en-CA"/>
           </a:p>
@@ -398,6 +399,7 @@
           <a:p>
             <a:fld id="{8F20841C-25C9-4C0C-A7FA-C4A363D14F5A}" type="slidenum">
               <a:rPr lang="en-CA" smtClean="0"/>
+              <a:pPr/>
               <a:t>‹#›</a:t>
             </a:fld>
             <a:endParaRPr lang="en-CA"/>
@@ -407,7 +409,7 @@
     </p:spTree>
     <p:extLst>
       <p:ext uri="{BB962C8B-B14F-4D97-AF65-F5344CB8AC3E}">
-        <p14:creationId xmlns:p14="http://schemas.microsoft.com/office/powerpoint/2010/main" val="4237529172"/>
+        <p14:creationId xmlns:p14="http://schemas.microsoft.com/office/powerpoint/2010/main" xmlns="" val="4237529172"/>
       </p:ext>
     </p:extLst>
   </p:cSld>
@@ -580,6 +582,7 @@
           <a:p>
             <a:fld id="{8F20841C-25C9-4C0C-A7FA-C4A363D14F5A}" type="slidenum">
               <a:rPr lang="en-CA" smtClean="0"/>
+              <a:pPr/>
               <a:t>1</a:t>
             </a:fld>
             <a:endParaRPr lang="en-CA"/>
@@ -589,7 +592,7 @@
     </p:spTree>
     <p:extLst>
       <p:ext uri="{BB962C8B-B14F-4D97-AF65-F5344CB8AC3E}">
-        <p14:creationId xmlns:p14="http://schemas.microsoft.com/office/powerpoint/2010/main" val="2340334442"/>
+        <p14:creationId xmlns:p14="http://schemas.microsoft.com/office/powerpoint/2010/main" xmlns="" val="2340334442"/>
       </p:ext>
     </p:extLst>
   </p:cSld>
@@ -783,6 +786,7 @@
           <a:p>
             <a:fld id="{5174927E-2439-42C0-9720-7BBCA09BF46F}" type="slidenum">
               <a:rPr lang="en-CA" smtClean="0"/>
+              <a:pPr/>
               <a:t>‹#›</a:t>
             </a:fld>
             <a:endParaRPr lang="en-CA"/>
@@ -792,7 +796,7 @@
     </p:spTree>
     <p:extLst>
       <p:ext uri="{BB962C8B-B14F-4D97-AF65-F5344CB8AC3E}">
-        <p14:creationId xmlns:p14="http://schemas.microsoft.com/office/powerpoint/2010/main" val="1900560834"/>
+        <p14:creationId xmlns:p14="http://schemas.microsoft.com/office/powerpoint/2010/main" xmlns="" val="1900560834"/>
       </p:ext>
     </p:extLst>
   </p:cSld>
@@ -956,6 +960,7 @@
           <a:p>
             <a:fld id="{5174927E-2439-42C0-9720-7BBCA09BF46F}" type="slidenum">
               <a:rPr lang="en-CA" smtClean="0"/>
+              <a:pPr/>
               <a:t>‹#›</a:t>
             </a:fld>
             <a:endParaRPr lang="en-CA"/>
@@ -965,7 +970,7 @@
     </p:spTree>
     <p:extLst>
       <p:ext uri="{BB962C8B-B14F-4D97-AF65-F5344CB8AC3E}">
-        <p14:creationId xmlns:p14="http://schemas.microsoft.com/office/powerpoint/2010/main" val="3722958745"/>
+        <p14:creationId xmlns:p14="http://schemas.microsoft.com/office/powerpoint/2010/main" xmlns="" val="3722958745"/>
       </p:ext>
     </p:extLst>
   </p:cSld>
@@ -1201,7 +1206,7 @@
     </p:spTree>
     <p:extLst>
       <p:ext uri="{BB962C8B-B14F-4D97-AF65-F5344CB8AC3E}">
-        <p14:creationId xmlns:p14="http://schemas.microsoft.com/office/powerpoint/2010/main" val="1822376042"/>
+        <p14:creationId xmlns:p14="http://schemas.microsoft.com/office/powerpoint/2010/main" xmlns="" val="1822376042"/>
       </p:ext>
     </p:extLst>
   </p:cSld>
@@ -1441,6 +1446,7 @@
           <a:p>
             <a:fld id="{5174927E-2439-42C0-9720-7BBCA09BF46F}" type="slidenum">
               <a:rPr lang="en-CA" smtClean="0"/>
+              <a:pPr/>
               <a:t>‹#›</a:t>
             </a:fld>
             <a:endParaRPr lang="en-CA"/>
@@ -1450,7 +1456,7 @@
     </p:spTree>
     <p:extLst>
       <p:ext uri="{BB962C8B-B14F-4D97-AF65-F5344CB8AC3E}">
-        <p14:creationId xmlns:p14="http://schemas.microsoft.com/office/powerpoint/2010/main" val="3411672561"/>
+        <p14:creationId xmlns:p14="http://schemas.microsoft.com/office/powerpoint/2010/main" xmlns="" val="3411672561"/>
       </p:ext>
     </p:extLst>
   </p:cSld>
@@ -1676,6 +1682,7 @@
           <a:p>
             <a:fld id="{5174927E-2439-42C0-9720-7BBCA09BF46F}" type="slidenum">
               <a:rPr lang="en-CA" smtClean="0"/>
+              <a:pPr/>
               <a:t>‹#›</a:t>
             </a:fld>
             <a:endParaRPr lang="en-CA"/>
@@ -1685,7 +1692,7 @@
     </p:spTree>
     <p:extLst>
       <p:ext uri="{BB962C8B-B14F-4D97-AF65-F5344CB8AC3E}">
-        <p14:creationId xmlns:p14="http://schemas.microsoft.com/office/powerpoint/2010/main" val="1093008526"/>
+        <p14:creationId xmlns:p14="http://schemas.microsoft.com/office/powerpoint/2010/main" xmlns="" val="1093008526"/>
       </p:ext>
     </p:extLst>
   </p:cSld>
@@ -2046,6 +2053,7 @@
           <a:p>
             <a:fld id="{5174927E-2439-42C0-9720-7BBCA09BF46F}" type="slidenum">
               <a:rPr lang="en-CA" smtClean="0"/>
+              <a:pPr/>
               <a:t>‹#›</a:t>
             </a:fld>
             <a:endParaRPr lang="en-CA"/>
@@ -2055,7 +2063,7 @@
     </p:spTree>
     <p:extLst>
       <p:ext uri="{BB962C8B-B14F-4D97-AF65-F5344CB8AC3E}">
-        <p14:creationId xmlns:p14="http://schemas.microsoft.com/office/powerpoint/2010/main" val="1087924878"/>
+        <p14:creationId xmlns:p14="http://schemas.microsoft.com/office/powerpoint/2010/main" xmlns="" val="1087924878"/>
       </p:ext>
     </p:extLst>
   </p:cSld>
@@ -2167,6 +2175,7 @@
           <a:p>
             <a:fld id="{5174927E-2439-42C0-9720-7BBCA09BF46F}" type="slidenum">
               <a:rPr lang="en-CA" smtClean="0"/>
+              <a:pPr/>
               <a:t>‹#›</a:t>
             </a:fld>
             <a:endParaRPr lang="en-CA"/>
@@ -2176,7 +2185,7 @@
     </p:spTree>
     <p:extLst>
       <p:ext uri="{BB962C8B-B14F-4D97-AF65-F5344CB8AC3E}">
-        <p14:creationId xmlns:p14="http://schemas.microsoft.com/office/powerpoint/2010/main" val="3802387408"/>
+        <p14:creationId xmlns:p14="http://schemas.microsoft.com/office/powerpoint/2010/main" xmlns="" val="3802387408"/>
       </p:ext>
     </p:extLst>
   </p:cSld>
@@ -2265,6 +2274,7 @@
           <a:p>
             <a:fld id="{5174927E-2439-42C0-9720-7BBCA09BF46F}" type="slidenum">
               <a:rPr lang="en-CA" smtClean="0"/>
+              <a:pPr/>
               <a:t>‹#›</a:t>
             </a:fld>
             <a:endParaRPr lang="en-CA"/>
@@ -2274,7 +2284,7 @@
     </p:spTree>
     <p:extLst>
       <p:ext uri="{BB962C8B-B14F-4D97-AF65-F5344CB8AC3E}">
-        <p14:creationId xmlns:p14="http://schemas.microsoft.com/office/powerpoint/2010/main" val="4234091411"/>
+        <p14:creationId xmlns:p14="http://schemas.microsoft.com/office/powerpoint/2010/main" xmlns="" val="4234091411"/>
       </p:ext>
     </p:extLst>
   </p:cSld>
@@ -2545,6 +2555,7 @@
           <a:p>
             <a:fld id="{5174927E-2439-42C0-9720-7BBCA09BF46F}" type="slidenum">
               <a:rPr lang="en-CA" smtClean="0"/>
+              <a:pPr/>
               <a:t>‹#›</a:t>
             </a:fld>
             <a:endParaRPr lang="en-CA"/>
@@ -2554,7 +2565,7 @@
     </p:spTree>
     <p:extLst>
       <p:ext uri="{BB962C8B-B14F-4D97-AF65-F5344CB8AC3E}">
-        <p14:creationId xmlns:p14="http://schemas.microsoft.com/office/powerpoint/2010/main" val="4189422420"/>
+        <p14:creationId xmlns:p14="http://schemas.microsoft.com/office/powerpoint/2010/main" xmlns="" val="4189422420"/>
       </p:ext>
     </p:extLst>
   </p:cSld>
@@ -2801,6 +2812,7 @@
           <a:p>
             <a:fld id="{5174927E-2439-42C0-9720-7BBCA09BF46F}" type="slidenum">
               <a:rPr lang="en-CA" smtClean="0"/>
+              <a:pPr/>
               <a:t>‹#›</a:t>
             </a:fld>
             <a:endParaRPr lang="en-CA"/>
@@ -2810,7 +2822,7 @@
     </p:spTree>
     <p:extLst>
       <p:ext uri="{BB962C8B-B14F-4D97-AF65-F5344CB8AC3E}">
-        <p14:creationId xmlns:p14="http://schemas.microsoft.com/office/powerpoint/2010/main" val="3252977898"/>
+        <p14:creationId xmlns:p14="http://schemas.microsoft.com/office/powerpoint/2010/main" xmlns="" val="3252977898"/>
       </p:ext>
     </p:extLst>
   </p:cSld>
@@ -3076,10 +3088,10 @@
           <p:nvPr userDrawn="1"/>
         </p:nvPicPr>
         <p:blipFill>
-          <a:blip r:embed="rId13">
+          <a:blip r:embed="rId13" cstate="print">
             <a:extLst>
               <a:ext uri="{28A0092B-C50C-407E-A947-70E740481C1C}">
-                <a14:useLocalDpi xmlns:a14="http://schemas.microsoft.com/office/drawing/2010/main" val="0"/>
+                <a14:useLocalDpi xmlns:a14="http://schemas.microsoft.com/office/drawing/2010/main" xmlns="" val="0"/>
               </a:ext>
             </a:extLst>
           </a:blip>
@@ -3100,7 +3112,7 @@
     </p:spTree>
     <p:extLst>
       <p:ext uri="{BB962C8B-B14F-4D97-AF65-F5344CB8AC3E}">
-        <p14:creationId xmlns:p14="http://schemas.microsoft.com/office/powerpoint/2010/main" val="4230061028"/>
+        <p14:creationId xmlns:p14="http://schemas.microsoft.com/office/powerpoint/2010/main" xmlns="" val="4230061028"/>
       </p:ext>
     </p:extLst>
   </p:cSld>
@@ -3548,7 +3560,7 @@
           <p:cNvPr id="13" name="Picture 8" descr="http://osiris.ubishops.ca/~alussier/images/transparentlogo_bu.png">
             <a:extLst>
               <a:ext uri="{FF2B5EF4-FFF2-40B4-BE49-F238E27FC236}">
-                <a16:creationId xmlns:a16="http://schemas.microsoft.com/office/drawing/2014/main" id="{CCB9A035-2F1C-4B96-A5DB-70B72D6E4AD8}"/>
+                <a16:creationId xmlns:a16="http://schemas.microsoft.com/office/drawing/2014/main" xmlns="" id="{CCB9A035-2F1C-4B96-A5DB-70B72D6E4AD8}"/>
               </a:ext>
             </a:extLst>
           </p:cNvPr>
@@ -3558,10 +3570,10 @@
           <p:nvPr/>
         </p:nvPicPr>
         <p:blipFill>
-          <a:blip r:embed="rId3">
+          <a:blip r:embed="rId3" cstate="print">
             <a:extLst>
               <a:ext uri="{28A0092B-C50C-407E-A947-70E740481C1C}">
-                <a14:useLocalDpi xmlns:a14="http://schemas.microsoft.com/office/drawing/2010/main" val="0"/>
+                <a14:useLocalDpi xmlns:a14="http://schemas.microsoft.com/office/drawing/2010/main" xmlns="" val="0"/>
               </a:ext>
             </a:extLst>
           </a:blip>
@@ -3581,7 +3593,7 @@
           <a:noFill/>
           <a:extLst>
             <a:ext uri="{909E8E84-426E-40DD-AFC4-6F175D3DCCD1}">
-              <a14:hiddenFill xmlns:a14="http://schemas.microsoft.com/office/drawing/2010/main">
+              <a14:hiddenFill xmlns:a14="http://schemas.microsoft.com/office/drawing/2010/main" xmlns="">
                 <a:solidFill>
                   <a:srgbClr val="FFFFFF"/>
                 </a:solidFill>
@@ -3593,7 +3605,7 @@
     </p:spTree>
     <p:extLst>
       <p:ext uri="{BB962C8B-B14F-4D97-AF65-F5344CB8AC3E}">
-        <p14:creationId xmlns:p14="http://schemas.microsoft.com/office/powerpoint/2010/main" val="4177077622"/>
+        <p14:creationId xmlns:p14="http://schemas.microsoft.com/office/powerpoint/2010/main" xmlns="" val="4177077622"/>
       </p:ext>
     </p:extLst>
   </p:cSld>
@@ -3677,28 +3689,6 @@
       </p:sp>
       <p:sp>
         <p:nvSpPr>
-          <p:cNvPr id="6" name="Date Placeholder 5"/>
-          <p:cNvSpPr>
-            <a:spLocks noGrp="1"/>
-          </p:cNvSpPr>
-          <p:nvPr>
-            <p:ph type="dt" sz="half" idx="2"/>
-          </p:nvPr>
-        </p:nvSpPr>
-        <p:spPr/>
-        <p:txBody>
-          <a:bodyPr/>
-          <a:lstStyle/>
-          <a:p>
-            <a:r>
-              <a:rPr lang="en-CA" dirty="0"/>
-              <a:t>Winter 2022</a:t>
-            </a:r>
-          </a:p>
-        </p:txBody>
-      </p:sp>
-      <p:sp>
-        <p:nvSpPr>
           <p:cNvPr id="10" name="Footer Placeholder 9"/>
           <p:cNvSpPr>
             <a:spLocks noGrp="1"/>
@@ -3751,7 +3741,7 @@
           <p:cNvPr id="9" name="Rectangle 3">
             <a:extLst>
               <a:ext uri="{FF2B5EF4-FFF2-40B4-BE49-F238E27FC236}">
-                <a16:creationId xmlns:a16="http://schemas.microsoft.com/office/drawing/2014/main" id="{7E5BA666-FBD0-4E01-B80B-ABA0C70E8CFC}"/>
+                <a16:creationId xmlns:a16="http://schemas.microsoft.com/office/drawing/2014/main" xmlns="" id="{7E5BA666-FBD0-4E01-B80B-ABA0C70E8CFC}"/>
               </a:ext>
             </a:extLst>
           </p:cNvPr>
@@ -3774,14 +3764,14 @@
           </a:ln>
           <a:extLst>
             <a:ext uri="{909E8E84-426E-40DD-AFC4-6F175D3DCCD1}">
-              <a14:hiddenFill xmlns:a14="http://schemas.microsoft.com/office/drawing/2010/main">
+              <a14:hiddenFill xmlns:a14="http://schemas.microsoft.com/office/drawing/2010/main" xmlns="">
                 <a:solidFill>
                   <a:srgbClr val="FFFFFF"/>
                 </a:solidFill>
               </a14:hiddenFill>
             </a:ext>
             <a:ext uri="{91240B29-F687-4F45-9708-019B960494DF}">
-              <a14:hiddenLine xmlns:a14="http://schemas.microsoft.com/office/drawing/2010/main" w="9525">
+              <a14:hiddenLine xmlns:a14="http://schemas.microsoft.com/office/drawing/2010/main" xmlns="" w="9525">
                 <a:solidFill>
                   <a:srgbClr val="000000"/>
                 </a:solidFill>
@@ -4326,7 +4316,7 @@
           <p:cNvPr id="11" name="Picture 4">
             <a:extLst>
               <a:ext uri="{FF2B5EF4-FFF2-40B4-BE49-F238E27FC236}">
-                <a16:creationId xmlns:a16="http://schemas.microsoft.com/office/drawing/2014/main" id="{72628C26-020F-45A8-B7EF-F55029D597DF}"/>
+                <a16:creationId xmlns:a16="http://schemas.microsoft.com/office/drawing/2014/main" xmlns="" id="{72628C26-020F-45A8-B7EF-F55029D597DF}"/>
               </a:ext>
             </a:extLst>
           </p:cNvPr>
@@ -4339,7 +4329,7 @@
           <a:blip r:embed="rId2">
             <a:extLst>
               <a:ext uri="{28A0092B-C50C-407E-A947-70E740481C1C}">
-                <a14:useLocalDpi xmlns:a14="http://schemas.microsoft.com/office/drawing/2010/main" val="0"/>
+                <a14:useLocalDpi xmlns:a14="http://schemas.microsoft.com/office/drawing/2010/main" xmlns="" val="0"/>
               </a:ext>
             </a:extLst>
           </a:blip>
@@ -4362,14 +4352,14 @@
           </a:ln>
           <a:extLst>
             <a:ext uri="{909E8E84-426E-40DD-AFC4-6F175D3DCCD1}">
-              <a14:hiddenFill xmlns:a14="http://schemas.microsoft.com/office/drawing/2010/main">
+              <a14:hiddenFill xmlns:a14="http://schemas.microsoft.com/office/drawing/2010/main" xmlns="">
                 <a:solidFill>
                   <a:srgbClr val="FFFFFF"/>
                 </a:solidFill>
               </a14:hiddenFill>
             </a:ext>
             <a:ext uri="{91240B29-F687-4F45-9708-019B960494DF}">
-              <a14:hiddenLine xmlns:a14="http://schemas.microsoft.com/office/drawing/2010/main" w="9525">
+              <a14:hiddenLine xmlns:a14="http://schemas.microsoft.com/office/drawing/2010/main" xmlns="" w="9525">
                 <a:solidFill>
                   <a:srgbClr val="000000"/>
                 </a:solidFill>
@@ -4384,7 +4374,7 @@
     </p:spTree>
     <p:extLst>
       <p:ext uri="{BB962C8B-B14F-4D97-AF65-F5344CB8AC3E}">
-        <p14:creationId xmlns:p14="http://schemas.microsoft.com/office/powerpoint/2010/main" val="3830296394"/>
+        <p14:creationId xmlns:p14="http://schemas.microsoft.com/office/powerpoint/2010/main" xmlns="" val="3830296394"/>
       </p:ext>
     </p:extLst>
   </p:cSld>
@@ -4511,28 +4501,6 @@
       </p:sp>
       <p:sp>
         <p:nvSpPr>
-          <p:cNvPr id="6" name="Date Placeholder 5"/>
-          <p:cNvSpPr>
-            <a:spLocks noGrp="1"/>
-          </p:cNvSpPr>
-          <p:nvPr>
-            <p:ph type="dt" sz="half" idx="2"/>
-          </p:nvPr>
-        </p:nvSpPr>
-        <p:spPr/>
-        <p:txBody>
-          <a:bodyPr/>
-          <a:lstStyle/>
-          <a:p>
-            <a:r>
-              <a:rPr lang="en-CA" dirty="0"/>
-              <a:t>Winter 2022</a:t>
-            </a:r>
-          </a:p>
-        </p:txBody>
-      </p:sp>
-      <p:sp>
-        <p:nvSpPr>
           <p:cNvPr id="10" name="Footer Placeholder 9"/>
           <p:cNvSpPr>
             <a:spLocks noGrp="1"/>
@@ -4585,7 +4553,7 @@
           <p:cNvPr id="26" name="Rectangle 3">
             <a:extLst>
               <a:ext uri="{FF2B5EF4-FFF2-40B4-BE49-F238E27FC236}">
-                <a16:creationId xmlns:a16="http://schemas.microsoft.com/office/drawing/2014/main" id="{5969B469-1454-42B3-B37D-50918FBFB254}"/>
+                <a16:creationId xmlns:a16="http://schemas.microsoft.com/office/drawing/2014/main" xmlns="" id="{5969B469-1454-42B3-B37D-50918FBFB254}"/>
               </a:ext>
             </a:extLst>
           </p:cNvPr>
@@ -4608,14 +4576,14 @@
           </a:ln>
           <a:extLst>
             <a:ext uri="{909E8E84-426E-40DD-AFC4-6F175D3DCCD1}">
-              <a14:hiddenFill xmlns:a14="http://schemas.microsoft.com/office/drawing/2010/main">
+              <a14:hiddenFill xmlns:a14="http://schemas.microsoft.com/office/drawing/2010/main" xmlns="">
                 <a:solidFill>
                   <a:srgbClr val="FFFFFF"/>
                 </a:solidFill>
               </a14:hiddenFill>
             </a:ext>
             <a:ext uri="{91240B29-F687-4F45-9708-019B960494DF}">
-              <a14:hiddenLine xmlns:a14="http://schemas.microsoft.com/office/drawing/2010/main" w="9525">
+              <a14:hiddenLine xmlns:a14="http://schemas.microsoft.com/office/drawing/2010/main" xmlns="" w="9525">
                 <a:solidFill>
                   <a:srgbClr val="000000"/>
                 </a:solidFill>
@@ -5453,7 +5421,7 @@
           <p:cNvPr id="27" name="Picture 4">
             <a:extLst>
               <a:ext uri="{FF2B5EF4-FFF2-40B4-BE49-F238E27FC236}">
-                <a16:creationId xmlns:a16="http://schemas.microsoft.com/office/drawing/2014/main" id="{304CF6C3-32B8-4B90-8247-F59BFA6A8676}"/>
+                <a16:creationId xmlns:a16="http://schemas.microsoft.com/office/drawing/2014/main" xmlns="" id="{304CF6C3-32B8-4B90-8247-F59BFA6A8676}"/>
               </a:ext>
             </a:extLst>
           </p:cNvPr>
@@ -5466,7 +5434,7 @@
           <a:blip r:embed="rId2">
             <a:extLst>
               <a:ext uri="{28A0092B-C50C-407E-A947-70E740481C1C}">
-                <a14:useLocalDpi xmlns:a14="http://schemas.microsoft.com/office/drawing/2010/main" val="0"/>
+                <a14:useLocalDpi xmlns:a14="http://schemas.microsoft.com/office/drawing/2010/main" xmlns="" val="0"/>
               </a:ext>
             </a:extLst>
           </a:blip>
@@ -5489,14 +5457,14 @@
           </a:ln>
           <a:extLst>
             <a:ext uri="{909E8E84-426E-40DD-AFC4-6F175D3DCCD1}">
-              <a14:hiddenFill xmlns:a14="http://schemas.microsoft.com/office/drawing/2010/main">
+              <a14:hiddenFill xmlns:a14="http://schemas.microsoft.com/office/drawing/2010/main" xmlns="">
                 <a:solidFill>
                   <a:srgbClr val="FFFFFF"/>
                 </a:solidFill>
               </a14:hiddenFill>
             </a:ext>
             <a:ext uri="{91240B29-F687-4F45-9708-019B960494DF}">
-              <a14:hiddenLine xmlns:a14="http://schemas.microsoft.com/office/drawing/2010/main" w="9525">
+              <a14:hiddenLine xmlns:a14="http://schemas.microsoft.com/office/drawing/2010/main" xmlns="" w="9525">
                 <a:solidFill>
                   <a:srgbClr val="000000"/>
                 </a:solidFill>
@@ -5511,7 +5479,7 @@
     </p:spTree>
     <p:extLst>
       <p:ext uri="{BB962C8B-B14F-4D97-AF65-F5344CB8AC3E}">
-        <p14:creationId xmlns:p14="http://schemas.microsoft.com/office/powerpoint/2010/main" val="1148352933"/>
+        <p14:creationId xmlns:p14="http://schemas.microsoft.com/office/powerpoint/2010/main" xmlns="" val="1148352933"/>
       </p:ext>
     </p:extLst>
   </p:cSld>
@@ -5673,28 +5641,6 @@
       </p:sp>
       <p:sp>
         <p:nvSpPr>
-          <p:cNvPr id="6" name="Date Placeholder 5"/>
-          <p:cNvSpPr>
-            <a:spLocks noGrp="1"/>
-          </p:cNvSpPr>
-          <p:nvPr>
-            <p:ph type="dt" sz="half" idx="2"/>
-          </p:nvPr>
-        </p:nvSpPr>
-        <p:spPr/>
-        <p:txBody>
-          <a:bodyPr/>
-          <a:lstStyle/>
-          <a:p>
-            <a:r>
-              <a:rPr lang="en-CA" dirty="0"/>
-              <a:t>Winter 2022</a:t>
-            </a:r>
-          </a:p>
-        </p:txBody>
-      </p:sp>
-      <p:sp>
-        <p:nvSpPr>
           <p:cNvPr id="10" name="Footer Placeholder 9"/>
           <p:cNvSpPr>
             <a:spLocks noGrp="1"/>
@@ -5747,7 +5693,7 @@
           <p:cNvPr id="9" name="Rectangle 3">
             <a:extLst>
               <a:ext uri="{FF2B5EF4-FFF2-40B4-BE49-F238E27FC236}">
-                <a16:creationId xmlns:a16="http://schemas.microsoft.com/office/drawing/2014/main" id="{5D6910DD-3DD8-45DC-8DF3-A08CD8022C8F}"/>
+                <a16:creationId xmlns:a16="http://schemas.microsoft.com/office/drawing/2014/main" xmlns="" id="{5D6910DD-3DD8-45DC-8DF3-A08CD8022C8F}"/>
               </a:ext>
             </a:extLst>
           </p:cNvPr>
@@ -5770,14 +5716,14 @@
           </a:ln>
           <a:extLst>
             <a:ext uri="{909E8E84-426E-40DD-AFC4-6F175D3DCCD1}">
-              <a14:hiddenFill xmlns:a14="http://schemas.microsoft.com/office/drawing/2010/main">
+              <a14:hiddenFill xmlns:a14="http://schemas.microsoft.com/office/drawing/2010/main" xmlns="">
                 <a:solidFill>
                   <a:srgbClr val="FFFFFF"/>
                 </a:solidFill>
               </a14:hiddenFill>
             </a:ext>
             <a:ext uri="{91240B29-F687-4F45-9708-019B960494DF}">
-              <a14:hiddenLine xmlns:a14="http://schemas.microsoft.com/office/drawing/2010/main" w="9525">
+              <a14:hiddenLine xmlns:a14="http://schemas.microsoft.com/office/drawing/2010/main" xmlns="" w="9525">
                 <a:solidFill>
                   <a:srgbClr val="000000"/>
                 </a:solidFill>
@@ -6355,7 +6301,7 @@
           <p:cNvPr id="11" name="Picture 4">
             <a:extLst>
               <a:ext uri="{FF2B5EF4-FFF2-40B4-BE49-F238E27FC236}">
-                <a16:creationId xmlns:a16="http://schemas.microsoft.com/office/drawing/2014/main" id="{D4C96582-B43E-49BC-A8F1-4782919411E9}"/>
+                <a16:creationId xmlns:a16="http://schemas.microsoft.com/office/drawing/2014/main" xmlns="" id="{D4C96582-B43E-49BC-A8F1-4782919411E9}"/>
               </a:ext>
             </a:extLst>
           </p:cNvPr>
@@ -6368,7 +6314,7 @@
           <a:blip r:embed="rId2">
             <a:extLst>
               <a:ext uri="{28A0092B-C50C-407E-A947-70E740481C1C}">
-                <a14:useLocalDpi xmlns:a14="http://schemas.microsoft.com/office/drawing/2010/main" val="0"/>
+                <a14:useLocalDpi xmlns:a14="http://schemas.microsoft.com/office/drawing/2010/main" xmlns="" val="0"/>
               </a:ext>
             </a:extLst>
           </a:blip>
@@ -6391,14 +6337,14 @@
           </a:ln>
           <a:extLst>
             <a:ext uri="{909E8E84-426E-40DD-AFC4-6F175D3DCCD1}">
-              <a14:hiddenFill xmlns:a14="http://schemas.microsoft.com/office/drawing/2010/main">
+              <a14:hiddenFill xmlns:a14="http://schemas.microsoft.com/office/drawing/2010/main" xmlns="">
                 <a:solidFill>
                   <a:srgbClr val="FFFFFF"/>
                 </a:solidFill>
               </a14:hiddenFill>
             </a:ext>
             <a:ext uri="{91240B29-F687-4F45-9708-019B960494DF}">
-              <a14:hiddenLine xmlns:a14="http://schemas.microsoft.com/office/drawing/2010/main" w="9525">
+              <a14:hiddenLine xmlns:a14="http://schemas.microsoft.com/office/drawing/2010/main" xmlns="" w="9525">
                 <a:solidFill>
                   <a:srgbClr val="000000"/>
                 </a:solidFill>
@@ -6413,7 +6359,7 @@
     </p:spTree>
     <p:extLst>
       <p:ext uri="{BB962C8B-B14F-4D97-AF65-F5344CB8AC3E}">
-        <p14:creationId xmlns:p14="http://schemas.microsoft.com/office/powerpoint/2010/main" val="312691650"/>
+        <p14:creationId xmlns:p14="http://schemas.microsoft.com/office/powerpoint/2010/main" xmlns="" val="312691650"/>
       </p:ext>
     </p:extLst>
   </p:cSld>
@@ -7025,28 +6971,6 @@
       </p:sp>
       <p:sp>
         <p:nvSpPr>
-          <p:cNvPr id="6" name="Date Placeholder 5"/>
-          <p:cNvSpPr>
-            <a:spLocks noGrp="1"/>
-          </p:cNvSpPr>
-          <p:nvPr>
-            <p:ph type="dt" sz="half" idx="2"/>
-          </p:nvPr>
-        </p:nvSpPr>
-        <p:spPr/>
-        <p:txBody>
-          <a:bodyPr/>
-          <a:lstStyle/>
-          <a:p>
-            <a:r>
-              <a:rPr lang="en-CA" dirty="0"/>
-              <a:t>Winter 2022</a:t>
-            </a:r>
-          </a:p>
-        </p:txBody>
-      </p:sp>
-      <p:sp>
-        <p:nvSpPr>
           <p:cNvPr id="10" name="Footer Placeholder 9"/>
           <p:cNvSpPr>
             <a:spLocks noGrp="1"/>
@@ -7097,7 +7021,7 @@
     </p:spTree>
     <p:extLst>
       <p:ext uri="{BB962C8B-B14F-4D97-AF65-F5344CB8AC3E}">
-        <p14:creationId xmlns:p14="http://schemas.microsoft.com/office/powerpoint/2010/main" val="2325179049"/>
+        <p14:creationId xmlns:p14="http://schemas.microsoft.com/office/powerpoint/2010/main" xmlns="" val="2325179049"/>
       </p:ext>
     </p:extLst>
   </p:cSld>
@@ -7186,28 +7110,6 @@
       </p:sp>
       <p:sp>
         <p:nvSpPr>
-          <p:cNvPr id="6" name="Date Placeholder 5"/>
-          <p:cNvSpPr>
-            <a:spLocks noGrp="1"/>
-          </p:cNvSpPr>
-          <p:nvPr>
-            <p:ph type="dt" sz="half" idx="2"/>
-          </p:nvPr>
-        </p:nvSpPr>
-        <p:spPr/>
-        <p:txBody>
-          <a:bodyPr/>
-          <a:lstStyle/>
-          <a:p>
-            <a:r>
-              <a:rPr lang="en-CA" dirty="0"/>
-              <a:t>Winter 2022</a:t>
-            </a:r>
-          </a:p>
-        </p:txBody>
-      </p:sp>
-      <p:sp>
-        <p:nvSpPr>
           <p:cNvPr id="10" name="Footer Placeholder 9"/>
           <p:cNvSpPr>
             <a:spLocks noGrp="1"/>
@@ -7260,7 +7162,7 @@
           <p:cNvPr id="8" name="Rectangle 3">
             <a:extLst>
               <a:ext uri="{FF2B5EF4-FFF2-40B4-BE49-F238E27FC236}">
-                <a16:creationId xmlns:a16="http://schemas.microsoft.com/office/drawing/2014/main" id="{DB405316-F52A-4C54-B982-6319395B29BB}"/>
+                <a16:creationId xmlns:a16="http://schemas.microsoft.com/office/drawing/2014/main" xmlns="" id="{DB405316-F52A-4C54-B982-6319395B29BB}"/>
               </a:ext>
             </a:extLst>
           </p:cNvPr>
@@ -7283,14 +7185,14 @@
           </a:ln>
           <a:extLst>
             <a:ext uri="{909E8E84-426E-40DD-AFC4-6F175D3DCCD1}">
-              <a14:hiddenFill xmlns:a14="http://schemas.microsoft.com/office/drawing/2010/main">
+              <a14:hiddenFill xmlns:a14="http://schemas.microsoft.com/office/drawing/2010/main" xmlns="">
                 <a:solidFill>
                   <a:srgbClr val="FFFFFF"/>
                 </a:solidFill>
               </a14:hiddenFill>
             </a:ext>
             <a:ext uri="{91240B29-F687-4F45-9708-019B960494DF}">
-              <a14:hiddenLine xmlns:a14="http://schemas.microsoft.com/office/drawing/2010/main" w="9525">
+              <a14:hiddenLine xmlns:a14="http://schemas.microsoft.com/office/drawing/2010/main" xmlns="" w="9525">
                 <a:solidFill>
                   <a:srgbClr val="000000"/>
                 </a:solidFill>
@@ -7732,6 +7634,23 @@
                 <a:cs typeface="+mn-cs"/>
               </a:rPr>
             </a:br>
+            <a:r>
+              <a:rPr kumimoji="0" lang="en-US" altLang="en-US" sz="1600" b="0" i="0" u="none" strike="noStrike" kern="0" cap="none" spc="0" normalizeH="0" baseline="0" noProof="0">
+                <a:ln>
+                  <a:noFill/>
+                </a:ln>
+                <a:solidFill>
+                  <a:srgbClr val="00CC99"/>
+                </a:solidFill>
+                <a:effectLst/>
+                <a:uLnTx/>
+                <a:uFillTx/>
+                <a:latin typeface="Trebuchet MS" panose="020B0603020202020204" pitchFamily="34" charset="0"/>
+                <a:ea typeface="ＭＳ Ｐゴシック" panose="020B0600070205080204" pitchFamily="34" charset="-128"/>
+                <a:cs typeface="+mn-cs"/>
+              </a:rPr>
+              <a:t/>
+            </a:r>
             <a:br>
               <a:rPr kumimoji="0" lang="en-US" altLang="en-US" sz="1600" b="0" i="0" u="none" strike="noStrike" kern="0" cap="none" spc="0" normalizeH="0" baseline="0" noProof="0">
                 <a:ln>
@@ -7880,6 +7799,23 @@
                 <a:cs typeface="+mn-cs"/>
               </a:rPr>
             </a:br>
+            <a:r>
+              <a:rPr kumimoji="0" lang="en-US" altLang="en-US" sz="1600" b="0" i="0" u="none" strike="noStrike" kern="0" cap="none" spc="0" normalizeH="0" baseline="0" noProof="0">
+                <a:ln>
+                  <a:noFill/>
+                </a:ln>
+                <a:solidFill>
+                  <a:srgbClr val="3333CC"/>
+                </a:solidFill>
+                <a:effectLst/>
+                <a:uLnTx/>
+                <a:uFillTx/>
+                <a:latin typeface="Trebuchet MS" panose="020B0603020202020204" pitchFamily="34" charset="0"/>
+                <a:ea typeface="ＭＳ Ｐゴシック" panose="020B0600070205080204" pitchFamily="34" charset="-128"/>
+                <a:cs typeface="+mn-cs"/>
+              </a:rPr>
+              <a:t/>
+            </a:r>
             <a:br>
               <a:rPr kumimoji="0" lang="en-US" altLang="en-US" sz="1600" b="0" i="0" u="none" strike="noStrike" kern="0" cap="none" spc="0" normalizeH="0" baseline="0" noProof="0">
                 <a:ln>
@@ -8028,6 +7964,23 @@
                 <a:cs typeface="+mn-cs"/>
               </a:rPr>
             </a:br>
+            <a:r>
+              <a:rPr kumimoji="0" lang="en-US" altLang="en-US" sz="1600" b="0" i="0" u="none" strike="noStrike" kern="0" cap="none" spc="0" normalizeH="0" baseline="0" noProof="0">
+                <a:ln>
+                  <a:noFill/>
+                </a:ln>
+                <a:solidFill>
+                  <a:srgbClr val="3333CC"/>
+                </a:solidFill>
+                <a:effectLst/>
+                <a:uLnTx/>
+                <a:uFillTx/>
+                <a:latin typeface="Trebuchet MS" panose="020B0603020202020204" pitchFamily="34" charset="0"/>
+                <a:ea typeface="ＭＳ Ｐゴシック" panose="020B0600070205080204" pitchFamily="34" charset="-128"/>
+                <a:cs typeface="+mn-cs"/>
+              </a:rPr>
+              <a:t/>
+            </a:r>
             <a:br>
               <a:rPr kumimoji="0" lang="en-US" altLang="en-US" sz="1600" b="0" i="0" u="none" strike="noStrike" kern="0" cap="none" spc="0" normalizeH="0" baseline="0" noProof="0">
                 <a:ln>
@@ -8182,7 +8135,7 @@
           <p:cNvPr id="9" name="Picture 4" descr="fun-with-panels">
             <a:extLst>
               <a:ext uri="{FF2B5EF4-FFF2-40B4-BE49-F238E27FC236}">
-                <a16:creationId xmlns:a16="http://schemas.microsoft.com/office/drawing/2014/main" id="{987EECB7-8C2D-48AD-BCEB-AD0D0D6BF7AF}"/>
+                <a16:creationId xmlns:a16="http://schemas.microsoft.com/office/drawing/2014/main" xmlns="" id="{987EECB7-8C2D-48AD-BCEB-AD0D0D6BF7AF}"/>
               </a:ext>
             </a:extLst>
           </p:cNvPr>
@@ -8195,7 +8148,7 @@
           <a:blip r:embed="rId2">
             <a:extLst>
               <a:ext uri="{28A0092B-C50C-407E-A947-70E740481C1C}">
-                <a14:useLocalDpi xmlns:a14="http://schemas.microsoft.com/office/drawing/2010/main" val="0"/>
+                <a14:useLocalDpi xmlns:a14="http://schemas.microsoft.com/office/drawing/2010/main" xmlns="" val="0"/>
               </a:ext>
             </a:extLst>
           </a:blip>
@@ -8218,14 +8171,14 @@
           </a:ln>
           <a:extLst>
             <a:ext uri="{909E8E84-426E-40DD-AFC4-6F175D3DCCD1}">
-              <a14:hiddenFill xmlns:a14="http://schemas.microsoft.com/office/drawing/2010/main">
+              <a14:hiddenFill xmlns:a14="http://schemas.microsoft.com/office/drawing/2010/main" xmlns="">
                 <a:solidFill>
                   <a:srgbClr val="FFFFFF"/>
                 </a:solidFill>
               </a14:hiddenFill>
             </a:ext>
             <a:ext uri="{91240B29-F687-4F45-9708-019B960494DF}">
-              <a14:hiddenLine xmlns:a14="http://schemas.microsoft.com/office/drawing/2010/main" w="9525">
+              <a14:hiddenLine xmlns:a14="http://schemas.microsoft.com/office/drawing/2010/main" xmlns="" w="9525">
                 <a:solidFill>
                   <a:srgbClr val="000000"/>
                 </a:solidFill>
@@ -8240,7 +8193,7 @@
     </p:spTree>
     <p:extLst>
       <p:ext uri="{BB962C8B-B14F-4D97-AF65-F5344CB8AC3E}">
-        <p14:creationId xmlns:p14="http://schemas.microsoft.com/office/powerpoint/2010/main" val="3064902311"/>
+        <p14:creationId xmlns:p14="http://schemas.microsoft.com/office/powerpoint/2010/main" xmlns="" val="3064902311"/>
       </p:ext>
     </p:extLst>
   </p:cSld>
@@ -9050,28 +9003,6 @@
       </p:sp>
       <p:sp>
         <p:nvSpPr>
-          <p:cNvPr id="6" name="Date Placeholder 5"/>
-          <p:cNvSpPr>
-            <a:spLocks noGrp="1"/>
-          </p:cNvSpPr>
-          <p:nvPr>
-            <p:ph type="dt" sz="half" idx="2"/>
-          </p:nvPr>
-        </p:nvSpPr>
-        <p:spPr/>
-        <p:txBody>
-          <a:bodyPr/>
-          <a:lstStyle/>
-          <a:p>
-            <a:r>
-              <a:rPr lang="en-CA" dirty="0"/>
-              <a:t>Winter 2022</a:t>
-            </a:r>
-          </a:p>
-        </p:txBody>
-      </p:sp>
-      <p:sp>
-        <p:nvSpPr>
           <p:cNvPr id="10" name="Footer Placeholder 9"/>
           <p:cNvSpPr>
             <a:spLocks noGrp="1"/>
@@ -9122,7 +9053,7 @@
     </p:spTree>
     <p:extLst>
       <p:ext uri="{BB962C8B-B14F-4D97-AF65-F5344CB8AC3E}">
-        <p14:creationId xmlns:p14="http://schemas.microsoft.com/office/powerpoint/2010/main" val="4198276298"/>
+        <p14:creationId xmlns:p14="http://schemas.microsoft.com/office/powerpoint/2010/main" xmlns="" val="4198276298"/>
       </p:ext>
     </p:extLst>
   </p:cSld>
@@ -9174,28 +9105,6 @@
       </p:sp>
       <p:sp>
         <p:nvSpPr>
-          <p:cNvPr id="6" name="Date Placeholder 5"/>
-          <p:cNvSpPr>
-            <a:spLocks noGrp="1"/>
-          </p:cNvSpPr>
-          <p:nvPr>
-            <p:ph type="dt" sz="half" idx="2"/>
-          </p:nvPr>
-        </p:nvSpPr>
-        <p:spPr/>
-        <p:txBody>
-          <a:bodyPr/>
-          <a:lstStyle/>
-          <a:p>
-            <a:r>
-              <a:rPr lang="en-CA" dirty="0"/>
-              <a:t>Winter 2022</a:t>
-            </a:r>
-          </a:p>
-        </p:txBody>
-      </p:sp>
-      <p:sp>
-        <p:nvSpPr>
           <p:cNvPr id="10" name="Footer Placeholder 9"/>
           <p:cNvSpPr>
             <a:spLocks noGrp="1"/>
@@ -9248,7 +9157,7 @@
           <p:cNvPr id="5" name="Content Placeholder 4">
             <a:extLst>
               <a:ext uri="{FF2B5EF4-FFF2-40B4-BE49-F238E27FC236}">
-                <a16:creationId xmlns:a16="http://schemas.microsoft.com/office/drawing/2014/main" id="{F4C9EE17-8336-4F55-BFF5-CFF8F9AAED8D}"/>
+                <a16:creationId xmlns:a16="http://schemas.microsoft.com/office/drawing/2014/main" xmlns="" id="{F4C9EE17-8336-4F55-BFF5-CFF8F9AAED8D}"/>
               </a:ext>
             </a:extLst>
           </p:cNvPr>
@@ -9279,7 +9188,7 @@
           <p:cNvPr id="8" name="Content Placeholder 2">
             <a:extLst>
               <a:ext uri="{FF2B5EF4-FFF2-40B4-BE49-F238E27FC236}">
-                <a16:creationId xmlns:a16="http://schemas.microsoft.com/office/drawing/2014/main" id="{42EAAEC3-2412-46DF-96DD-1E6F9770DF3E}"/>
+                <a16:creationId xmlns:a16="http://schemas.microsoft.com/office/drawing/2014/main" xmlns="" id="{42EAAEC3-2412-46DF-96DD-1E6F9770DF3E}"/>
               </a:ext>
             </a:extLst>
           </p:cNvPr>
@@ -9631,6 +9540,22 @@
               </a:rPr>
               <a:t>);</a:t>
             </a:r>
+            <a:r>
+              <a:rPr kumimoji="0" lang="en-US" altLang="en-US" sz="2000" b="0" i="0" u="none" strike="noStrike" kern="0" cap="none" spc="0" normalizeH="0" baseline="0" noProof="0" dirty="0">
+                <a:ln>
+                  <a:noFill/>
+                </a:ln>
+                <a:solidFill>
+                  <a:srgbClr val="808080"/>
+                </a:solidFill>
+                <a:effectLst/>
+                <a:uLnTx/>
+                <a:uFillTx/>
+                <a:latin typeface="Trebuchet MS" panose="020B0603020202020204" pitchFamily="34" charset="0"/>
+                <a:ea typeface="ＭＳ Ｐゴシック" panose="020B0600070205080204" pitchFamily="34" charset="-128"/>
+              </a:rPr>
+              <a:t/>
+            </a:r>
             <a:br>
               <a:rPr kumimoji="0" lang="en-US" altLang="en-US" sz="2000" b="0" i="0" u="none" strike="noStrike" kern="0" cap="none" spc="0" normalizeH="0" baseline="0" noProof="0" dirty="0">
                 <a:ln>
@@ -9646,6 +9571,22 @@
                 <a:ea typeface="ＭＳ Ｐゴシック" panose="020B0600070205080204" pitchFamily="34" charset="-128"/>
               </a:rPr>
             </a:br>
+            <a:r>
+              <a:rPr kumimoji="0" lang="en-US" altLang="en-US" sz="2000" b="0" i="0" u="none" strike="noStrike" kern="0" cap="none" spc="0" normalizeH="0" baseline="0" noProof="0" dirty="0">
+                <a:ln>
+                  <a:noFill/>
+                </a:ln>
+                <a:solidFill>
+                  <a:srgbClr val="808080"/>
+                </a:solidFill>
+                <a:effectLst/>
+                <a:uLnTx/>
+                <a:uFillTx/>
+                <a:latin typeface="Trebuchet MS" panose="020B0603020202020204" pitchFamily="34" charset="0"/>
+                <a:ea typeface="ＭＳ Ｐゴシック" panose="020B0600070205080204" pitchFamily="34" charset="-128"/>
+              </a:rPr>
+              <a:t/>
+            </a:r>
             <a:br>
               <a:rPr kumimoji="0" lang="en-US" altLang="en-US" sz="2000" b="0" i="0" u="none" strike="noStrike" kern="0" cap="none" spc="0" normalizeH="0" baseline="0" noProof="0" dirty="0">
                 <a:ln>
@@ -10340,7 +10281,7 @@
     </p:spTree>
     <p:extLst>
       <p:ext uri="{BB962C8B-B14F-4D97-AF65-F5344CB8AC3E}">
-        <p14:creationId xmlns:p14="http://schemas.microsoft.com/office/powerpoint/2010/main" val="2220326480"/>
+        <p14:creationId xmlns:p14="http://schemas.microsoft.com/office/powerpoint/2010/main" xmlns="" val="2220326480"/>
       </p:ext>
     </p:extLst>
   </p:cSld>
@@ -10429,28 +10370,6 @@
       </p:sp>
       <p:sp>
         <p:nvSpPr>
-          <p:cNvPr id="6" name="Date Placeholder 5"/>
-          <p:cNvSpPr>
-            <a:spLocks noGrp="1"/>
-          </p:cNvSpPr>
-          <p:nvPr>
-            <p:ph type="dt" sz="half" idx="2"/>
-          </p:nvPr>
-        </p:nvSpPr>
-        <p:spPr/>
-        <p:txBody>
-          <a:bodyPr/>
-          <a:lstStyle/>
-          <a:p>
-            <a:r>
-              <a:rPr lang="en-CA" dirty="0"/>
-              <a:t>Winter 2022</a:t>
-            </a:r>
-          </a:p>
-        </p:txBody>
-      </p:sp>
-      <p:sp>
-        <p:nvSpPr>
           <p:cNvPr id="10" name="Footer Placeholder 9"/>
           <p:cNvSpPr>
             <a:spLocks noGrp="1"/>
@@ -10503,7 +10422,7 @@
           <p:cNvPr id="11" name="TextBox 10">
             <a:extLst>
               <a:ext uri="{FF2B5EF4-FFF2-40B4-BE49-F238E27FC236}">
-                <a16:creationId xmlns:a16="http://schemas.microsoft.com/office/drawing/2014/main" id="{3C00DD88-8D22-464F-A99B-4BD2F748F487}"/>
+                <a16:creationId xmlns:a16="http://schemas.microsoft.com/office/drawing/2014/main" xmlns="" id="{3C00DD88-8D22-464F-A99B-4BD2F748F487}"/>
               </a:ext>
             </a:extLst>
           </p:cNvPr>
@@ -10647,6 +10566,23 @@
               </a:rPr>
               <a:t>// Declare components as instance variables</a:t>
             </a:r>
+            <a:r>
+              <a:rPr kumimoji="0" lang="en-US" altLang="en-US" sz="1600" b="0" i="0" u="none" strike="noStrike" kern="0" cap="none" spc="0" normalizeH="0" baseline="0" noProof="0" dirty="0">
+                <a:ln>
+                  <a:noFill/>
+                </a:ln>
+                <a:solidFill>
+                  <a:srgbClr val="3333CC"/>
+                </a:solidFill>
+                <a:effectLst/>
+                <a:uLnTx/>
+                <a:uFillTx/>
+                <a:latin typeface="Trebuchet MS" panose="020B0603020202020204" pitchFamily="34" charset="0"/>
+                <a:ea typeface="ＭＳ Ｐゴシック" panose="020B0600070205080204" pitchFamily="34" charset="-128"/>
+                <a:cs typeface="+mn-cs"/>
+              </a:rPr>
+              <a:t/>
+            </a:r>
             <a:br>
               <a:rPr kumimoji="0" lang="en-US" altLang="en-US" sz="1600" b="0" i="0" u="none" strike="noStrike" kern="0" cap="none" spc="0" normalizeH="0" baseline="0" noProof="0" dirty="0">
                 <a:ln>
@@ -10730,6 +10666,23 @@
                 <a:cs typeface="+mn-cs"/>
               </a:rPr>
               <a:t>// Can also define them here if you prefer</a:t>
+            </a:r>
+            <a:r>
+              <a:rPr kumimoji="0" lang="en-US" altLang="en-US" sz="1600" b="0" i="0" u="none" strike="noStrike" kern="0" cap="none" spc="0" normalizeH="0" baseline="0" noProof="0" dirty="0">
+                <a:ln>
+                  <a:noFill/>
+                </a:ln>
+                <a:solidFill>
+                  <a:srgbClr val="3333CC"/>
+                </a:solidFill>
+                <a:effectLst/>
+                <a:uLnTx/>
+                <a:uFillTx/>
+                <a:latin typeface="Trebuchet MS" panose="020B0603020202020204" pitchFamily="34" charset="0"/>
+                <a:ea typeface="ＭＳ Ｐゴシック" panose="020B0600070205080204" pitchFamily="34" charset="-128"/>
+                <a:cs typeface="+mn-cs"/>
+              </a:rPr>
+              <a:t/>
             </a:r>
             <a:br>
               <a:rPr kumimoji="0" lang="en-US" altLang="en-US" sz="1600" b="0" i="0" u="none" strike="noStrike" kern="0" cap="none" spc="0" normalizeH="0" baseline="0" noProof="0" dirty="0">
@@ -11091,6 +11044,23 @@
               </a:rPr>
               <a:t>// Define components and attach listeners in a method</a:t>
             </a:r>
+            <a:r>
+              <a:rPr kumimoji="0" lang="en-US" altLang="en-US" sz="1600" b="0" i="0" u="none" strike="noStrike" kern="0" cap="none" spc="0" normalizeH="0" baseline="0" noProof="0" dirty="0">
+                <a:ln>
+                  <a:noFill/>
+                </a:ln>
+                <a:solidFill>
+                  <a:srgbClr val="3333CC"/>
+                </a:solidFill>
+                <a:effectLst/>
+                <a:uLnTx/>
+                <a:uFillTx/>
+                <a:latin typeface="Trebuchet MS" panose="020B0603020202020204" pitchFamily="34" charset="0"/>
+                <a:ea typeface="ＭＳ Ｐゴシック" panose="020B0600070205080204" pitchFamily="34" charset="-128"/>
+                <a:cs typeface="+mn-cs"/>
+              </a:rPr>
+              <a:t/>
+            </a:r>
             <a:br>
               <a:rPr kumimoji="0" lang="en-US" altLang="en-US" sz="1600" b="0" i="0" u="none" strike="noStrike" kern="0" cap="none" spc="0" normalizeH="0" baseline="0" noProof="0" dirty="0">
                 <a:ln>
@@ -11597,6 +11567,23 @@
               </a:rPr>
               <a:t>// Use an inner class as your listener</a:t>
             </a:r>
+            <a:r>
+              <a:rPr kumimoji="0" lang="en-US" altLang="en-US" sz="1600" b="0" i="0" u="none" strike="noStrike" kern="0" cap="none" spc="0" normalizeH="0" baseline="0" noProof="0" dirty="0">
+                <a:ln>
+                  <a:noFill/>
+                </a:ln>
+                <a:solidFill>
+                  <a:srgbClr val="3333CC"/>
+                </a:solidFill>
+                <a:effectLst/>
+                <a:uLnTx/>
+                <a:uFillTx/>
+                <a:latin typeface="Trebuchet MS" panose="020B0603020202020204" pitchFamily="34" charset="0"/>
+                <a:ea typeface="ＭＳ Ｐゴシック" panose="020B0600070205080204" pitchFamily="34" charset="-128"/>
+                <a:cs typeface="+mn-cs"/>
+              </a:rPr>
+              <a:t/>
+            </a:r>
             <a:br>
               <a:rPr kumimoji="0" lang="en-US" altLang="en-US" sz="1600" b="0" i="0" u="none" strike="noStrike" kern="0" cap="none" spc="0" normalizeH="0" baseline="0" noProof="0" dirty="0">
                 <a:ln>
@@ -11920,7 +11907,7 @@
     </p:spTree>
     <p:extLst>
       <p:ext uri="{BB962C8B-B14F-4D97-AF65-F5344CB8AC3E}">
-        <p14:creationId xmlns:p14="http://schemas.microsoft.com/office/powerpoint/2010/main" val="668752758"/>
+        <p14:creationId xmlns:p14="http://schemas.microsoft.com/office/powerpoint/2010/main" xmlns="" val="668752758"/>
       </p:ext>
     </p:extLst>
   </p:cSld>
@@ -12007,28 +11994,6 @@
       </p:sp>
       <p:sp>
         <p:nvSpPr>
-          <p:cNvPr id="6" name="Date Placeholder 5"/>
-          <p:cNvSpPr>
-            <a:spLocks noGrp="1"/>
-          </p:cNvSpPr>
-          <p:nvPr>
-            <p:ph type="dt" sz="half" idx="2"/>
-          </p:nvPr>
-        </p:nvSpPr>
-        <p:spPr/>
-        <p:txBody>
-          <a:bodyPr/>
-          <a:lstStyle/>
-          <a:p>
-            <a:r>
-              <a:rPr lang="en-CA" dirty="0"/>
-              <a:t>Winter 2022</a:t>
-            </a:r>
-          </a:p>
-        </p:txBody>
-      </p:sp>
-      <p:sp>
-        <p:nvSpPr>
           <p:cNvPr id="10" name="Footer Placeholder 9"/>
           <p:cNvSpPr>
             <a:spLocks noGrp="1"/>
@@ -12081,7 +12046,7 @@
           <p:cNvPr id="8" name="Rectangle 3">
             <a:extLst>
               <a:ext uri="{FF2B5EF4-FFF2-40B4-BE49-F238E27FC236}">
-                <a16:creationId xmlns:a16="http://schemas.microsoft.com/office/drawing/2014/main" id="{AB6A61A4-EE74-4A4E-A0FC-8ED2A38DFE39}"/>
+                <a16:creationId xmlns:a16="http://schemas.microsoft.com/office/drawing/2014/main" xmlns="" id="{AB6A61A4-EE74-4A4E-A0FC-8ED2A38DFE39}"/>
               </a:ext>
             </a:extLst>
           </p:cNvPr>
@@ -12104,14 +12069,14 @@
           </a:ln>
           <a:extLst>
             <a:ext uri="{909E8E84-426E-40DD-AFC4-6F175D3DCCD1}">
-              <a14:hiddenFill xmlns:a14="http://schemas.microsoft.com/office/drawing/2010/main">
+              <a14:hiddenFill xmlns:a14="http://schemas.microsoft.com/office/drawing/2010/main" xmlns="">
                 <a:solidFill>
                   <a:srgbClr val="FFFFFF"/>
                 </a:solidFill>
               </a14:hiddenFill>
             </a:ext>
             <a:ext uri="{91240B29-F687-4F45-9708-019B960494DF}">
-              <a14:hiddenLine xmlns:a14="http://schemas.microsoft.com/office/drawing/2010/main" w="9525">
+              <a14:hiddenLine xmlns:a14="http://schemas.microsoft.com/office/drawing/2010/main" xmlns="" w="9525">
                 <a:solidFill>
                   <a:srgbClr val="000000"/>
                 </a:solidFill>
@@ -12442,6 +12407,23 @@
               </a:rPr>
               <a:t>// Declare components as instance variables</a:t>
             </a:r>
+            <a:r>
+              <a:rPr kumimoji="0" lang="en-US" altLang="en-US" sz="1600" b="0" i="0" u="none" strike="noStrike" kern="0" cap="none" spc="0" normalizeH="0" baseline="0" noProof="0" dirty="0">
+                <a:ln>
+                  <a:noFill/>
+                </a:ln>
+                <a:solidFill>
+                  <a:srgbClr val="3333CC"/>
+                </a:solidFill>
+                <a:effectLst/>
+                <a:uLnTx/>
+                <a:uFillTx/>
+                <a:latin typeface="Trebuchet MS" panose="020B0603020202020204" pitchFamily="34" charset="0"/>
+                <a:ea typeface="ＭＳ Ｐゴシック" panose="020B0600070205080204" pitchFamily="34" charset="-128"/>
+                <a:cs typeface="+mn-cs"/>
+              </a:rPr>
+              <a:t/>
+            </a:r>
             <a:br>
               <a:rPr kumimoji="0" lang="en-US" altLang="en-US" sz="1600" b="0" i="0" u="none" strike="noStrike" kern="0" cap="none" spc="0" normalizeH="0" baseline="0" noProof="0" dirty="0">
                 <a:ln>
@@ -12886,6 +12868,23 @@
               </a:rPr>
               <a:t>// Define components and attach listeners in a method</a:t>
             </a:r>
+            <a:r>
+              <a:rPr kumimoji="0" lang="en-US" altLang="en-US" sz="1600" b="0" i="0" u="none" strike="noStrike" kern="0" cap="none" spc="0" normalizeH="0" baseline="0" noProof="0" dirty="0">
+                <a:ln>
+                  <a:noFill/>
+                </a:ln>
+                <a:solidFill>
+                  <a:srgbClr val="3333CC"/>
+                </a:solidFill>
+                <a:effectLst/>
+                <a:uLnTx/>
+                <a:uFillTx/>
+                <a:latin typeface="Trebuchet MS" panose="020B0603020202020204" pitchFamily="34" charset="0"/>
+                <a:ea typeface="ＭＳ Ｐゴシック" panose="020B0600070205080204" pitchFamily="34" charset="-128"/>
+                <a:cs typeface="+mn-cs"/>
+              </a:rPr>
+              <a:t/>
+            </a:r>
             <a:br>
               <a:rPr kumimoji="0" lang="en-US" altLang="en-US" sz="1600" b="0" i="0" u="none" strike="noStrike" kern="0" cap="none" spc="0" normalizeH="0" baseline="0" noProof="0" dirty="0">
                 <a:ln>
@@ -13036,6 +13035,23 @@
                 <a:cs typeface="+mn-cs"/>
               </a:rPr>
               <a:t>();  // Don't need this</a:t>
+            </a:r>
+            <a:r>
+              <a:rPr kumimoji="0" lang="en-US" altLang="en-US" sz="1600" b="0" i="0" u="none" strike="noStrike" kern="0" cap="none" spc="0" normalizeH="0" baseline="0" noProof="0" dirty="0">
+                <a:ln>
+                  <a:noFill/>
+                </a:ln>
+                <a:solidFill>
+                  <a:srgbClr val="3333CC"/>
+                </a:solidFill>
+                <a:effectLst/>
+                <a:uLnTx/>
+                <a:uFillTx/>
+                <a:latin typeface="Trebuchet MS" panose="020B0603020202020204" pitchFamily="34" charset="0"/>
+                <a:ea typeface="ＭＳ Ｐゴシック" panose="020B0600070205080204" pitchFamily="34" charset="-128"/>
+                <a:cs typeface="+mn-cs"/>
+              </a:rPr>
+              <a:t/>
             </a:r>
             <a:br>
               <a:rPr kumimoji="0" lang="en-US" altLang="en-US" sz="1600" b="0" i="0" u="none" strike="noStrike" kern="0" cap="none" spc="0" normalizeH="0" baseline="0" noProof="0" dirty="0">
@@ -13375,6 +13391,23 @@
               </a:rPr>
               <a:t>// Use an inner class as your listener</a:t>
             </a:r>
+            <a:r>
+              <a:rPr kumimoji="0" lang="en-US" altLang="en-US" sz="1600" b="0" i="0" u="none" strike="noStrike" kern="0" cap="none" spc="0" normalizeH="0" baseline="0" noProof="0" dirty="0">
+                <a:ln>
+                  <a:noFill/>
+                </a:ln>
+                <a:solidFill>
+                  <a:srgbClr val="3333CC"/>
+                </a:solidFill>
+                <a:effectLst/>
+                <a:uLnTx/>
+                <a:uFillTx/>
+                <a:latin typeface="Trebuchet MS" panose="020B0603020202020204" pitchFamily="34" charset="0"/>
+                <a:ea typeface="ＭＳ Ｐゴシック" panose="020B0600070205080204" pitchFamily="34" charset="-128"/>
+                <a:cs typeface="+mn-cs"/>
+              </a:rPr>
+              <a:t/>
+            </a:r>
             <a:br>
               <a:rPr kumimoji="0" lang="en-US" altLang="en-US" sz="1600" b="0" i="0" u="none" strike="noStrike" kern="0" cap="none" spc="0" normalizeH="0" baseline="0" noProof="0" dirty="0">
                 <a:ln>
@@ -13698,7 +13731,7 @@
     </p:spTree>
     <p:extLst>
       <p:ext uri="{BB962C8B-B14F-4D97-AF65-F5344CB8AC3E}">
-        <p14:creationId xmlns:p14="http://schemas.microsoft.com/office/powerpoint/2010/main" val="132232297"/>
+        <p14:creationId xmlns:p14="http://schemas.microsoft.com/office/powerpoint/2010/main" xmlns="" val="132232297"/>
       </p:ext>
     </p:extLst>
   </p:cSld>
@@ -15041,28 +15074,6 @@
       </p:sp>
       <p:sp>
         <p:nvSpPr>
-          <p:cNvPr id="6" name="Date Placeholder 5"/>
-          <p:cNvSpPr>
-            <a:spLocks noGrp="1"/>
-          </p:cNvSpPr>
-          <p:nvPr>
-            <p:ph type="dt" sz="half" idx="2"/>
-          </p:nvPr>
-        </p:nvSpPr>
-        <p:spPr/>
-        <p:txBody>
-          <a:bodyPr/>
-          <a:lstStyle/>
-          <a:p>
-            <a:r>
-              <a:rPr lang="en-CA" dirty="0"/>
-              <a:t>Winter 2022</a:t>
-            </a:r>
-          </a:p>
-        </p:txBody>
-      </p:sp>
-      <p:sp>
-        <p:nvSpPr>
           <p:cNvPr id="10" name="Footer Placeholder 9"/>
           <p:cNvSpPr>
             <a:spLocks noGrp="1"/>
@@ -15113,7 +15124,7 @@
     </p:spTree>
     <p:extLst>
       <p:ext uri="{BB962C8B-B14F-4D97-AF65-F5344CB8AC3E}">
-        <p14:creationId xmlns:p14="http://schemas.microsoft.com/office/powerpoint/2010/main" val="2778576912"/>
+        <p14:creationId xmlns:p14="http://schemas.microsoft.com/office/powerpoint/2010/main" xmlns="" val="2778576912"/>
       </p:ext>
     </p:extLst>
   </p:cSld>
@@ -15387,28 +15398,6 @@
       </p:sp>
       <p:sp>
         <p:nvSpPr>
-          <p:cNvPr id="6" name="Date Placeholder 5"/>
-          <p:cNvSpPr>
-            <a:spLocks noGrp="1"/>
-          </p:cNvSpPr>
-          <p:nvPr>
-            <p:ph type="dt" sz="half" idx="2"/>
-          </p:nvPr>
-        </p:nvSpPr>
-        <p:spPr/>
-        <p:txBody>
-          <a:bodyPr/>
-          <a:lstStyle/>
-          <a:p>
-            <a:r>
-              <a:rPr lang="en-CA" dirty="0"/>
-              <a:t>Winter 2022</a:t>
-            </a:r>
-          </a:p>
-        </p:txBody>
-      </p:sp>
-      <p:sp>
-        <p:nvSpPr>
           <p:cNvPr id="10" name="Footer Placeholder 9"/>
           <p:cNvSpPr>
             <a:spLocks noGrp="1"/>
@@ -15459,7 +15448,7 @@
     </p:spTree>
     <p:extLst>
       <p:ext uri="{BB962C8B-B14F-4D97-AF65-F5344CB8AC3E}">
-        <p14:creationId xmlns:p14="http://schemas.microsoft.com/office/powerpoint/2010/main" val="51204498"/>
+        <p14:creationId xmlns:p14="http://schemas.microsoft.com/office/powerpoint/2010/main" xmlns="" val="51204498"/>
       </p:ext>
     </p:extLst>
   </p:cSld>
@@ -16153,28 +16142,6 @@
       </p:sp>
       <p:sp>
         <p:nvSpPr>
-          <p:cNvPr id="6" name="Date Placeholder 5"/>
-          <p:cNvSpPr>
-            <a:spLocks noGrp="1"/>
-          </p:cNvSpPr>
-          <p:nvPr>
-            <p:ph type="dt" sz="half" idx="2"/>
-          </p:nvPr>
-        </p:nvSpPr>
-        <p:spPr/>
-        <p:txBody>
-          <a:bodyPr/>
-          <a:lstStyle/>
-          <a:p>
-            <a:r>
-              <a:rPr lang="en-CA" dirty="0"/>
-              <a:t>Winter 2022</a:t>
-            </a:r>
-          </a:p>
-        </p:txBody>
-      </p:sp>
-      <p:sp>
-        <p:nvSpPr>
           <p:cNvPr id="10" name="Footer Placeholder 9"/>
           <p:cNvSpPr>
             <a:spLocks noGrp="1"/>
@@ -16225,7 +16192,7 @@
     </p:spTree>
     <p:extLst>
       <p:ext uri="{BB962C8B-B14F-4D97-AF65-F5344CB8AC3E}">
-        <p14:creationId xmlns:p14="http://schemas.microsoft.com/office/powerpoint/2010/main" val="3963229193"/>
+        <p14:creationId xmlns:p14="http://schemas.microsoft.com/office/powerpoint/2010/main" xmlns="" val="3963229193"/>
       </p:ext>
     </p:extLst>
   </p:cSld>
@@ -16805,28 +16772,6 @@
       </p:sp>
       <p:sp>
         <p:nvSpPr>
-          <p:cNvPr id="6" name="Date Placeholder 5"/>
-          <p:cNvSpPr>
-            <a:spLocks noGrp="1"/>
-          </p:cNvSpPr>
-          <p:nvPr>
-            <p:ph type="dt" sz="half" idx="2"/>
-          </p:nvPr>
-        </p:nvSpPr>
-        <p:spPr/>
-        <p:txBody>
-          <a:bodyPr/>
-          <a:lstStyle/>
-          <a:p>
-            <a:r>
-              <a:rPr lang="en-CA" dirty="0"/>
-              <a:t>Winter 2022</a:t>
-            </a:r>
-          </a:p>
-        </p:txBody>
-      </p:sp>
-      <p:sp>
-        <p:nvSpPr>
           <p:cNvPr id="10" name="Footer Placeholder 9"/>
           <p:cNvSpPr>
             <a:spLocks noGrp="1"/>
@@ -16877,7 +16822,7 @@
     </p:spTree>
     <p:extLst>
       <p:ext uri="{BB962C8B-B14F-4D97-AF65-F5344CB8AC3E}">
-        <p14:creationId xmlns:p14="http://schemas.microsoft.com/office/powerpoint/2010/main" val="127963713"/>
+        <p14:creationId xmlns:p14="http://schemas.microsoft.com/office/powerpoint/2010/main" xmlns="" val="127963713"/>
       </p:ext>
     </p:extLst>
   </p:cSld>
@@ -17264,28 +17209,6 @@
       </p:sp>
       <p:sp>
         <p:nvSpPr>
-          <p:cNvPr id="6" name="Date Placeholder 5"/>
-          <p:cNvSpPr>
-            <a:spLocks noGrp="1"/>
-          </p:cNvSpPr>
-          <p:nvPr>
-            <p:ph type="dt" sz="half" idx="2"/>
-          </p:nvPr>
-        </p:nvSpPr>
-        <p:spPr/>
-        <p:txBody>
-          <a:bodyPr/>
-          <a:lstStyle/>
-          <a:p>
-            <a:r>
-              <a:rPr lang="en-CA" dirty="0"/>
-              <a:t>Winter 2022</a:t>
-            </a:r>
-          </a:p>
-        </p:txBody>
-      </p:sp>
-      <p:sp>
-        <p:nvSpPr>
           <p:cNvPr id="10" name="Footer Placeholder 9"/>
           <p:cNvSpPr>
             <a:spLocks noGrp="1"/>
@@ -17336,7 +17259,7 @@
     </p:spTree>
     <p:extLst>
       <p:ext uri="{BB962C8B-B14F-4D97-AF65-F5344CB8AC3E}">
-        <p14:creationId xmlns:p14="http://schemas.microsoft.com/office/powerpoint/2010/main" val="2986053279"/>
+        <p14:creationId xmlns:p14="http://schemas.microsoft.com/office/powerpoint/2010/main" xmlns="" val="2986053279"/>
       </p:ext>
     </p:extLst>
   </p:cSld>
@@ -17800,28 +17723,6 @@
       </p:sp>
       <p:sp>
         <p:nvSpPr>
-          <p:cNvPr id="6" name="Date Placeholder 5"/>
-          <p:cNvSpPr>
-            <a:spLocks noGrp="1"/>
-          </p:cNvSpPr>
-          <p:nvPr>
-            <p:ph type="dt" sz="half" idx="2"/>
-          </p:nvPr>
-        </p:nvSpPr>
-        <p:spPr/>
-        <p:txBody>
-          <a:bodyPr/>
-          <a:lstStyle/>
-          <a:p>
-            <a:r>
-              <a:rPr lang="en-CA" dirty="0"/>
-              <a:t>Winter 2022</a:t>
-            </a:r>
-          </a:p>
-        </p:txBody>
-      </p:sp>
-      <p:sp>
-        <p:nvSpPr>
           <p:cNvPr id="10" name="Footer Placeholder 9"/>
           <p:cNvSpPr>
             <a:spLocks noGrp="1"/>
@@ -17874,7 +17775,7 @@
           <p:cNvPr id="7" name="Picture 4" descr="message-dialog">
             <a:extLst>
               <a:ext uri="{FF2B5EF4-FFF2-40B4-BE49-F238E27FC236}">
-                <a16:creationId xmlns:a16="http://schemas.microsoft.com/office/drawing/2014/main" id="{61587A1D-70BA-4C36-AF81-4E4B6343ACAF}"/>
+                <a16:creationId xmlns:a16="http://schemas.microsoft.com/office/drawing/2014/main" xmlns="" id="{61587A1D-70BA-4C36-AF81-4E4B6343ACAF}"/>
               </a:ext>
             </a:extLst>
           </p:cNvPr>
@@ -17887,7 +17788,7 @@
           <a:blip r:embed="rId2">
             <a:extLst>
               <a:ext uri="{28A0092B-C50C-407E-A947-70E740481C1C}">
-                <a14:useLocalDpi xmlns:a14="http://schemas.microsoft.com/office/drawing/2010/main" val="0"/>
+                <a14:useLocalDpi xmlns:a14="http://schemas.microsoft.com/office/drawing/2010/main" xmlns="" val="0"/>
               </a:ext>
             </a:extLst>
           </a:blip>
@@ -17910,14 +17811,14 @@
           </a:ln>
           <a:extLst>
             <a:ext uri="{909E8E84-426E-40DD-AFC4-6F175D3DCCD1}">
-              <a14:hiddenFill xmlns:a14="http://schemas.microsoft.com/office/drawing/2010/main">
+              <a14:hiddenFill xmlns:a14="http://schemas.microsoft.com/office/drawing/2010/main" xmlns="">
                 <a:solidFill>
                   <a:srgbClr val="FFFFFF"/>
                 </a:solidFill>
               </a14:hiddenFill>
             </a:ext>
             <a:ext uri="{91240B29-F687-4F45-9708-019B960494DF}">
-              <a14:hiddenLine xmlns:a14="http://schemas.microsoft.com/office/drawing/2010/main" w="9525">
+              <a14:hiddenLine xmlns:a14="http://schemas.microsoft.com/office/drawing/2010/main" xmlns="" w="9525">
                 <a:solidFill>
                   <a:srgbClr val="000000"/>
                 </a:solidFill>
@@ -17932,7 +17833,7 @@
     </p:spTree>
     <p:extLst>
       <p:ext uri="{BB962C8B-B14F-4D97-AF65-F5344CB8AC3E}">
-        <p14:creationId xmlns:p14="http://schemas.microsoft.com/office/powerpoint/2010/main" val="16019776"/>
+        <p14:creationId xmlns:p14="http://schemas.microsoft.com/office/powerpoint/2010/main" xmlns="" val="16019776"/>
       </p:ext>
     </p:extLst>
   </p:cSld>
@@ -18315,28 +18216,6 @@
       </p:sp>
       <p:sp>
         <p:nvSpPr>
-          <p:cNvPr id="6" name="Date Placeholder 5"/>
-          <p:cNvSpPr>
-            <a:spLocks noGrp="1"/>
-          </p:cNvSpPr>
-          <p:nvPr>
-            <p:ph type="dt" sz="half" idx="2"/>
-          </p:nvPr>
-        </p:nvSpPr>
-        <p:spPr/>
-        <p:txBody>
-          <a:bodyPr/>
-          <a:lstStyle/>
-          <a:p>
-            <a:r>
-              <a:rPr lang="en-CA" dirty="0"/>
-              <a:t>Winter 2022</a:t>
-            </a:r>
-          </a:p>
-        </p:txBody>
-      </p:sp>
-      <p:sp>
-        <p:nvSpPr>
           <p:cNvPr id="10" name="Footer Placeholder 9"/>
           <p:cNvSpPr>
             <a:spLocks noGrp="1"/>
@@ -18389,7 +18268,7 @@
           <p:cNvPr id="7" name="Picture 4" descr="confirm-dialog">
             <a:extLst>
               <a:ext uri="{FF2B5EF4-FFF2-40B4-BE49-F238E27FC236}">
-                <a16:creationId xmlns:a16="http://schemas.microsoft.com/office/drawing/2014/main" id="{CF793CC5-B46C-4415-96C2-B93789C1C94F}"/>
+                <a16:creationId xmlns:a16="http://schemas.microsoft.com/office/drawing/2014/main" xmlns="" id="{CF793CC5-B46C-4415-96C2-B93789C1C94F}"/>
               </a:ext>
             </a:extLst>
           </p:cNvPr>
@@ -18402,7 +18281,7 @@
           <a:blip r:embed="rId2">
             <a:extLst>
               <a:ext uri="{28A0092B-C50C-407E-A947-70E740481C1C}">
-                <a14:useLocalDpi xmlns:a14="http://schemas.microsoft.com/office/drawing/2010/main" val="0"/>
+                <a14:useLocalDpi xmlns:a14="http://schemas.microsoft.com/office/drawing/2010/main" xmlns="" val="0"/>
               </a:ext>
             </a:extLst>
           </a:blip>
@@ -18425,14 +18304,14 @@
           </a:ln>
           <a:extLst>
             <a:ext uri="{909E8E84-426E-40DD-AFC4-6F175D3DCCD1}">
-              <a14:hiddenFill xmlns:a14="http://schemas.microsoft.com/office/drawing/2010/main">
+              <a14:hiddenFill xmlns:a14="http://schemas.microsoft.com/office/drawing/2010/main" xmlns="">
                 <a:solidFill>
                   <a:srgbClr val="FFFFFF"/>
                 </a:solidFill>
               </a14:hiddenFill>
             </a:ext>
             <a:ext uri="{91240B29-F687-4F45-9708-019B960494DF}">
-              <a14:hiddenLine xmlns:a14="http://schemas.microsoft.com/office/drawing/2010/main" w="9525">
+              <a14:hiddenLine xmlns:a14="http://schemas.microsoft.com/office/drawing/2010/main" xmlns="" w="9525">
                 <a:solidFill>
                   <a:srgbClr val="000000"/>
                 </a:solidFill>
@@ -18447,7 +18326,7 @@
     </p:spTree>
     <p:extLst>
       <p:ext uri="{BB962C8B-B14F-4D97-AF65-F5344CB8AC3E}">
-        <p14:creationId xmlns:p14="http://schemas.microsoft.com/office/powerpoint/2010/main" val="4281930268"/>
+        <p14:creationId xmlns:p14="http://schemas.microsoft.com/office/powerpoint/2010/main" xmlns="" val="4281930268"/>
       </p:ext>
     </p:extLst>
   </p:cSld>
@@ -18726,28 +18605,6 @@
       </p:sp>
       <p:sp>
         <p:nvSpPr>
-          <p:cNvPr id="6" name="Date Placeholder 5"/>
-          <p:cNvSpPr>
-            <a:spLocks noGrp="1"/>
-          </p:cNvSpPr>
-          <p:nvPr>
-            <p:ph type="dt" sz="half" idx="2"/>
-          </p:nvPr>
-        </p:nvSpPr>
-        <p:spPr/>
-        <p:txBody>
-          <a:bodyPr/>
-          <a:lstStyle/>
-          <a:p>
-            <a:r>
-              <a:rPr lang="en-CA" dirty="0"/>
-              <a:t>Winter 2022</a:t>
-            </a:r>
-          </a:p>
-        </p:txBody>
-      </p:sp>
-      <p:sp>
-        <p:nvSpPr>
           <p:cNvPr id="10" name="Footer Placeholder 9"/>
           <p:cNvSpPr>
             <a:spLocks noGrp="1"/>
@@ -18800,7 +18657,7 @@
           <p:cNvPr id="7" name="Picture 4" descr="input-dialog">
             <a:extLst>
               <a:ext uri="{FF2B5EF4-FFF2-40B4-BE49-F238E27FC236}">
-                <a16:creationId xmlns:a16="http://schemas.microsoft.com/office/drawing/2014/main" id="{3D840640-114B-4F5B-B031-D6CB1A000C59}"/>
+                <a16:creationId xmlns:a16="http://schemas.microsoft.com/office/drawing/2014/main" xmlns="" id="{3D840640-114B-4F5B-B031-D6CB1A000C59}"/>
               </a:ext>
             </a:extLst>
           </p:cNvPr>
@@ -18813,7 +18670,7 @@
           <a:blip r:embed="rId2">
             <a:extLst>
               <a:ext uri="{28A0092B-C50C-407E-A947-70E740481C1C}">
-                <a14:useLocalDpi xmlns:a14="http://schemas.microsoft.com/office/drawing/2010/main" val="0"/>
+                <a14:useLocalDpi xmlns:a14="http://schemas.microsoft.com/office/drawing/2010/main" xmlns="" val="0"/>
               </a:ext>
             </a:extLst>
           </a:blip>
@@ -18836,14 +18693,14 @@
           </a:ln>
           <a:extLst>
             <a:ext uri="{909E8E84-426E-40DD-AFC4-6F175D3DCCD1}">
-              <a14:hiddenFill xmlns:a14="http://schemas.microsoft.com/office/drawing/2010/main">
+              <a14:hiddenFill xmlns:a14="http://schemas.microsoft.com/office/drawing/2010/main" xmlns="">
                 <a:solidFill>
                   <a:srgbClr val="FFFFFF"/>
                 </a:solidFill>
               </a14:hiddenFill>
             </a:ext>
             <a:ext uri="{91240B29-F687-4F45-9708-019B960494DF}">
-              <a14:hiddenLine xmlns:a14="http://schemas.microsoft.com/office/drawing/2010/main" w="9525">
+              <a14:hiddenLine xmlns:a14="http://schemas.microsoft.com/office/drawing/2010/main" xmlns="" w="9525">
                 <a:solidFill>
                   <a:srgbClr val="000000"/>
                 </a:solidFill>
@@ -18858,7 +18715,7 @@
     </p:spTree>
     <p:extLst>
       <p:ext uri="{BB962C8B-B14F-4D97-AF65-F5344CB8AC3E}">
-        <p14:creationId xmlns:p14="http://schemas.microsoft.com/office/powerpoint/2010/main" val="3380951599"/>
+        <p14:creationId xmlns:p14="http://schemas.microsoft.com/office/powerpoint/2010/main" xmlns="" val="3380951599"/>
       </p:ext>
     </p:extLst>
   </p:cSld>
@@ -19452,28 +19309,6 @@
       </p:sp>
       <p:sp>
         <p:nvSpPr>
-          <p:cNvPr id="6" name="Date Placeholder 5"/>
-          <p:cNvSpPr>
-            <a:spLocks noGrp="1"/>
-          </p:cNvSpPr>
-          <p:nvPr>
-            <p:ph type="dt" sz="half" idx="2"/>
-          </p:nvPr>
-        </p:nvSpPr>
-        <p:spPr/>
-        <p:txBody>
-          <a:bodyPr/>
-          <a:lstStyle/>
-          <a:p>
-            <a:r>
-              <a:rPr lang="en-CA" dirty="0"/>
-              <a:t>Winter 2022</a:t>
-            </a:r>
-          </a:p>
-        </p:txBody>
-      </p:sp>
-      <p:sp>
-        <p:nvSpPr>
           <p:cNvPr id="10" name="Footer Placeholder 9"/>
           <p:cNvSpPr>
             <a:spLocks noGrp="1"/>
@@ -19526,7 +19361,7 @@
           <p:cNvPr id="7" name="Picture 4" descr="option-dialog">
             <a:extLst>
               <a:ext uri="{FF2B5EF4-FFF2-40B4-BE49-F238E27FC236}">
-                <a16:creationId xmlns:a16="http://schemas.microsoft.com/office/drawing/2014/main" id="{55E9C062-FBB9-48AC-B8E7-036D6B13EE49}"/>
+                <a16:creationId xmlns:a16="http://schemas.microsoft.com/office/drawing/2014/main" xmlns="" id="{55E9C062-FBB9-48AC-B8E7-036D6B13EE49}"/>
               </a:ext>
             </a:extLst>
           </p:cNvPr>
@@ -19539,7 +19374,7 @@
           <a:blip r:embed="rId2">
             <a:extLst>
               <a:ext uri="{28A0092B-C50C-407E-A947-70E740481C1C}">
-                <a14:useLocalDpi xmlns:a14="http://schemas.microsoft.com/office/drawing/2010/main" val="0"/>
+                <a14:useLocalDpi xmlns:a14="http://schemas.microsoft.com/office/drawing/2010/main" xmlns="" val="0"/>
               </a:ext>
             </a:extLst>
           </a:blip>
@@ -19562,14 +19397,14 @@
           </a:ln>
           <a:extLst>
             <a:ext uri="{909E8E84-426E-40DD-AFC4-6F175D3DCCD1}">
-              <a14:hiddenFill xmlns:a14="http://schemas.microsoft.com/office/drawing/2010/main">
+              <a14:hiddenFill xmlns:a14="http://schemas.microsoft.com/office/drawing/2010/main" xmlns="">
                 <a:solidFill>
                   <a:srgbClr val="FFFFFF"/>
                 </a:solidFill>
               </a14:hiddenFill>
             </a:ext>
             <a:ext uri="{91240B29-F687-4F45-9708-019B960494DF}">
-              <a14:hiddenLine xmlns:a14="http://schemas.microsoft.com/office/drawing/2010/main" w="9525">
+              <a14:hiddenLine xmlns:a14="http://schemas.microsoft.com/office/drawing/2010/main" xmlns="" w="9525">
                 <a:solidFill>
                   <a:srgbClr val="000000"/>
                 </a:solidFill>
@@ -19586,7 +19421,7 @@
           <p:cNvPr id="11" name="TextBox 10">
             <a:extLst>
               <a:ext uri="{FF2B5EF4-FFF2-40B4-BE49-F238E27FC236}">
-                <a16:creationId xmlns:a16="http://schemas.microsoft.com/office/drawing/2014/main" id="{F6D3D01F-7BBA-48E2-B668-BEFE0E76937E}"/>
+                <a16:creationId xmlns:a16="http://schemas.microsoft.com/office/drawing/2014/main" xmlns="" id="{F6D3D01F-7BBA-48E2-B668-BEFE0E76937E}"/>
               </a:ext>
             </a:extLst>
           </p:cNvPr>
@@ -19952,7 +19787,7 @@
     </p:spTree>
     <p:extLst>
       <p:ext uri="{BB962C8B-B14F-4D97-AF65-F5344CB8AC3E}">
-        <p14:creationId xmlns:p14="http://schemas.microsoft.com/office/powerpoint/2010/main" val="296679934"/>
+        <p14:creationId xmlns:p14="http://schemas.microsoft.com/office/powerpoint/2010/main" xmlns="" val="296679934"/>
       </p:ext>
     </p:extLst>
   </p:cSld>
@@ -20041,28 +19876,6 @@
       </p:sp>
       <p:sp>
         <p:nvSpPr>
-          <p:cNvPr id="6" name="Date Placeholder 5"/>
-          <p:cNvSpPr>
-            <a:spLocks noGrp="1"/>
-          </p:cNvSpPr>
-          <p:nvPr>
-            <p:ph type="dt" sz="half" idx="2"/>
-          </p:nvPr>
-        </p:nvSpPr>
-        <p:spPr/>
-        <p:txBody>
-          <a:bodyPr/>
-          <a:lstStyle/>
-          <a:p>
-            <a:r>
-              <a:rPr lang="en-CA" dirty="0"/>
-              <a:t>Winter 2022</a:t>
-            </a:r>
-          </a:p>
-        </p:txBody>
-      </p:sp>
-      <p:sp>
-        <p:nvSpPr>
           <p:cNvPr id="10" name="Footer Placeholder 9"/>
           <p:cNvSpPr>
             <a:spLocks noGrp="1"/>
@@ -20115,7 +19928,7 @@
           <p:cNvPr id="11" name="Rectangle 3">
             <a:extLst>
               <a:ext uri="{FF2B5EF4-FFF2-40B4-BE49-F238E27FC236}">
-                <a16:creationId xmlns:a16="http://schemas.microsoft.com/office/drawing/2014/main" id="{82262883-F62A-4888-A19C-2729FA089046}"/>
+                <a16:creationId xmlns:a16="http://schemas.microsoft.com/office/drawing/2014/main" xmlns="" id="{82262883-F62A-4888-A19C-2729FA089046}"/>
               </a:ext>
             </a:extLst>
           </p:cNvPr>
@@ -20138,14 +19951,14 @@
           </a:ln>
           <a:extLst>
             <a:ext uri="{909E8E84-426E-40DD-AFC4-6F175D3DCCD1}">
-              <a14:hiddenFill xmlns:a14="http://schemas.microsoft.com/office/drawing/2010/main">
+              <a14:hiddenFill xmlns:a14="http://schemas.microsoft.com/office/drawing/2010/main" xmlns="">
                 <a:solidFill>
                   <a:srgbClr val="FFFFFF"/>
                 </a:solidFill>
               </a14:hiddenFill>
             </a:ext>
             <a:ext uri="{91240B29-F687-4F45-9708-019B960494DF}">
-              <a14:hiddenLine xmlns:a14="http://schemas.microsoft.com/office/drawing/2010/main" w="9525">
+              <a14:hiddenLine xmlns:a14="http://schemas.microsoft.com/office/drawing/2010/main" xmlns="" w="9525">
                 <a:solidFill>
                   <a:srgbClr val="000000"/>
                 </a:solidFill>
@@ -20561,7 +20374,7 @@
           <p:cNvPr id="13" name="Rectangle 5">
             <a:extLst>
               <a:ext uri="{FF2B5EF4-FFF2-40B4-BE49-F238E27FC236}">
-                <a16:creationId xmlns:a16="http://schemas.microsoft.com/office/drawing/2014/main" id="{67F2607B-718A-4319-A1EE-8B9A17EFDD5A}"/>
+                <a16:creationId xmlns:a16="http://schemas.microsoft.com/office/drawing/2014/main" xmlns="" id="{67F2607B-718A-4319-A1EE-8B9A17EFDD5A}"/>
               </a:ext>
             </a:extLst>
           </p:cNvPr>
@@ -20584,14 +20397,14 @@
           </a:ln>
           <a:extLst>
             <a:ext uri="{909E8E84-426E-40DD-AFC4-6F175D3DCCD1}">
-              <a14:hiddenFill xmlns:a14="http://schemas.microsoft.com/office/drawing/2010/main">
+              <a14:hiddenFill xmlns:a14="http://schemas.microsoft.com/office/drawing/2010/main" xmlns="">
                 <a:solidFill>
                   <a:srgbClr val="FFFFFF"/>
                 </a:solidFill>
               </a14:hiddenFill>
             </a:ext>
             <a:ext uri="{91240B29-F687-4F45-9708-019B960494DF}">
-              <a14:hiddenLine xmlns:a14="http://schemas.microsoft.com/office/drawing/2010/main" w="9525">
+              <a14:hiddenLine xmlns:a14="http://schemas.microsoft.com/office/drawing/2010/main" xmlns="" w="9525">
                 <a:solidFill>
                   <a:srgbClr val="000000"/>
                 </a:solidFill>
@@ -20930,7 +20743,7 @@
           <p:cNvPr id="14" name="Picture 4">
             <a:extLst>
               <a:ext uri="{FF2B5EF4-FFF2-40B4-BE49-F238E27FC236}">
-                <a16:creationId xmlns:a16="http://schemas.microsoft.com/office/drawing/2014/main" id="{F8FB2DE2-E9FD-4B75-8C63-DEC26100F80A}"/>
+                <a16:creationId xmlns:a16="http://schemas.microsoft.com/office/drawing/2014/main" xmlns="" id="{F8FB2DE2-E9FD-4B75-8C63-DEC26100F80A}"/>
               </a:ext>
             </a:extLst>
           </p:cNvPr>
@@ -20943,7 +20756,7 @@
           <a:blip r:embed="rId2">
             <a:extLst>
               <a:ext uri="{28A0092B-C50C-407E-A947-70E740481C1C}">
-                <a14:useLocalDpi xmlns:a14="http://schemas.microsoft.com/office/drawing/2010/main" val="0"/>
+                <a14:useLocalDpi xmlns:a14="http://schemas.microsoft.com/office/drawing/2010/main" xmlns="" val="0"/>
               </a:ext>
             </a:extLst>
           </a:blip>
@@ -20966,14 +20779,14 @@
           </a:ln>
           <a:extLst>
             <a:ext uri="{909E8E84-426E-40DD-AFC4-6F175D3DCCD1}">
-              <a14:hiddenFill xmlns:a14="http://schemas.microsoft.com/office/drawing/2010/main">
+              <a14:hiddenFill xmlns:a14="http://schemas.microsoft.com/office/drawing/2010/main" xmlns="">
                 <a:solidFill>
                   <a:srgbClr val="FFFFFF"/>
                 </a:solidFill>
               </a14:hiddenFill>
             </a:ext>
             <a:ext uri="{91240B29-F687-4F45-9708-019B960494DF}">
-              <a14:hiddenLine xmlns:a14="http://schemas.microsoft.com/office/drawing/2010/main" w="9525">
+              <a14:hiddenLine xmlns:a14="http://schemas.microsoft.com/office/drawing/2010/main" xmlns="" w="9525">
                 <a:solidFill>
                   <a:srgbClr val="000000"/>
                 </a:solidFill>
@@ -20988,7 +20801,7 @@
     </p:spTree>
     <p:extLst>
       <p:ext uri="{BB962C8B-B14F-4D97-AF65-F5344CB8AC3E}">
-        <p14:creationId xmlns:p14="http://schemas.microsoft.com/office/powerpoint/2010/main" val="1688656353"/>
+        <p14:creationId xmlns:p14="http://schemas.microsoft.com/office/powerpoint/2010/main" xmlns="" val="1688656353"/>
       </p:ext>
     </p:extLst>
   </p:cSld>
@@ -21077,28 +20890,6 @@
       </p:sp>
       <p:sp>
         <p:nvSpPr>
-          <p:cNvPr id="6" name="Date Placeholder 5"/>
-          <p:cNvSpPr>
-            <a:spLocks noGrp="1"/>
-          </p:cNvSpPr>
-          <p:nvPr>
-            <p:ph type="dt" sz="half" idx="2"/>
-          </p:nvPr>
-        </p:nvSpPr>
-        <p:spPr/>
-        <p:txBody>
-          <a:bodyPr/>
-          <a:lstStyle/>
-          <a:p>
-            <a:r>
-              <a:rPr lang="en-CA" dirty="0"/>
-              <a:t>Winter 2022</a:t>
-            </a:r>
-          </a:p>
-        </p:txBody>
-      </p:sp>
-      <p:sp>
-        <p:nvSpPr>
           <p:cNvPr id="10" name="Footer Placeholder 9"/>
           <p:cNvSpPr>
             <a:spLocks noGrp="1"/>
@@ -21151,7 +20942,7 @@
           <p:cNvPr id="11" name="Rectangle 3">
             <a:extLst>
               <a:ext uri="{FF2B5EF4-FFF2-40B4-BE49-F238E27FC236}">
-                <a16:creationId xmlns:a16="http://schemas.microsoft.com/office/drawing/2014/main" id="{DB6D6624-6A4E-4D87-9E52-E6CEB0EACD37}"/>
+                <a16:creationId xmlns:a16="http://schemas.microsoft.com/office/drawing/2014/main" xmlns="" id="{DB6D6624-6A4E-4D87-9E52-E6CEB0EACD37}"/>
               </a:ext>
             </a:extLst>
           </p:cNvPr>
@@ -21174,14 +20965,14 @@
           </a:ln>
           <a:extLst>
             <a:ext uri="{909E8E84-426E-40DD-AFC4-6F175D3DCCD1}">
-              <a14:hiddenFill xmlns:a14="http://schemas.microsoft.com/office/drawing/2010/main">
+              <a14:hiddenFill xmlns:a14="http://schemas.microsoft.com/office/drawing/2010/main" xmlns="">
                 <a:solidFill>
                   <a:srgbClr val="FFFFFF"/>
                 </a:solidFill>
               </a14:hiddenFill>
             </a:ext>
             <a:ext uri="{91240B29-F687-4F45-9708-019B960494DF}">
-              <a14:hiddenLine xmlns:a14="http://schemas.microsoft.com/office/drawing/2010/main" w="9525">
+              <a14:hiddenLine xmlns:a14="http://schemas.microsoft.com/office/drawing/2010/main" xmlns="" w="9525">
                 <a:solidFill>
                   <a:srgbClr val="000000"/>
                 </a:solidFill>
@@ -21597,7 +21388,7 @@
           <p:cNvPr id="13" name="Rectangle 4">
             <a:extLst>
               <a:ext uri="{FF2B5EF4-FFF2-40B4-BE49-F238E27FC236}">
-                <a16:creationId xmlns:a16="http://schemas.microsoft.com/office/drawing/2014/main" id="{216CB099-13C6-4CAB-961B-57AB01A475F7}"/>
+                <a16:creationId xmlns:a16="http://schemas.microsoft.com/office/drawing/2014/main" xmlns="" id="{216CB099-13C6-4CAB-961B-57AB01A475F7}"/>
               </a:ext>
             </a:extLst>
           </p:cNvPr>
@@ -21620,14 +21411,14 @@
           </a:ln>
           <a:extLst>
             <a:ext uri="{909E8E84-426E-40DD-AFC4-6F175D3DCCD1}">
-              <a14:hiddenFill xmlns:a14="http://schemas.microsoft.com/office/drawing/2010/main">
+              <a14:hiddenFill xmlns:a14="http://schemas.microsoft.com/office/drawing/2010/main" xmlns="">
                 <a:solidFill>
                   <a:srgbClr val="FFFFFF"/>
                 </a:solidFill>
               </a14:hiddenFill>
             </a:ext>
             <a:ext uri="{91240B29-F687-4F45-9708-019B960494DF}">
-              <a14:hiddenLine xmlns:a14="http://schemas.microsoft.com/office/drawing/2010/main" w="9525">
+              <a14:hiddenLine xmlns:a14="http://schemas.microsoft.com/office/drawing/2010/main" xmlns="" w="9525">
                 <a:solidFill>
                   <a:srgbClr val="000000"/>
                 </a:solidFill>
@@ -21966,7 +21757,7 @@
           <p:cNvPr id="14" name="Picture 6">
             <a:extLst>
               <a:ext uri="{FF2B5EF4-FFF2-40B4-BE49-F238E27FC236}">
-                <a16:creationId xmlns:a16="http://schemas.microsoft.com/office/drawing/2014/main" id="{38B6BC78-43C8-43F0-861A-C0CE35DBCB2E}"/>
+                <a16:creationId xmlns:a16="http://schemas.microsoft.com/office/drawing/2014/main" xmlns="" id="{38B6BC78-43C8-43F0-861A-C0CE35DBCB2E}"/>
               </a:ext>
             </a:extLst>
           </p:cNvPr>
@@ -21979,7 +21770,7 @@
           <a:blip r:embed="rId2">
             <a:extLst>
               <a:ext uri="{28A0092B-C50C-407E-A947-70E740481C1C}">
-                <a14:useLocalDpi xmlns:a14="http://schemas.microsoft.com/office/drawing/2010/main" val="0"/>
+                <a14:useLocalDpi xmlns:a14="http://schemas.microsoft.com/office/drawing/2010/main" xmlns="" val="0"/>
               </a:ext>
             </a:extLst>
           </a:blip>
@@ -22002,14 +21793,14 @@
           </a:ln>
           <a:extLst>
             <a:ext uri="{909E8E84-426E-40DD-AFC4-6F175D3DCCD1}">
-              <a14:hiddenFill xmlns:a14="http://schemas.microsoft.com/office/drawing/2010/main">
+              <a14:hiddenFill xmlns:a14="http://schemas.microsoft.com/office/drawing/2010/main" xmlns="">
                 <a:solidFill>
                   <a:srgbClr val="FFFFFF"/>
                 </a:solidFill>
               </a14:hiddenFill>
             </a:ext>
             <a:ext uri="{91240B29-F687-4F45-9708-019B960494DF}">
-              <a14:hiddenLine xmlns:a14="http://schemas.microsoft.com/office/drawing/2010/main" w="9525">
+              <a14:hiddenLine xmlns:a14="http://schemas.microsoft.com/office/drawing/2010/main" xmlns="" w="9525">
                 <a:solidFill>
                   <a:srgbClr val="000000"/>
                 </a:solidFill>
@@ -22024,7 +21815,7 @@
     </p:spTree>
     <p:extLst>
       <p:ext uri="{BB962C8B-B14F-4D97-AF65-F5344CB8AC3E}">
-        <p14:creationId xmlns:p14="http://schemas.microsoft.com/office/powerpoint/2010/main" val="469487589"/>
+        <p14:creationId xmlns:p14="http://schemas.microsoft.com/office/powerpoint/2010/main" xmlns="" val="469487589"/>
       </p:ext>
     </p:extLst>
   </p:cSld>
@@ -22389,28 +22180,6 @@
       </p:sp>
       <p:sp>
         <p:nvSpPr>
-          <p:cNvPr id="6" name="Date Placeholder 5"/>
-          <p:cNvSpPr>
-            <a:spLocks noGrp="1"/>
-          </p:cNvSpPr>
-          <p:nvPr>
-            <p:ph type="dt" sz="half" idx="2"/>
-          </p:nvPr>
-        </p:nvSpPr>
-        <p:spPr/>
-        <p:txBody>
-          <a:bodyPr/>
-          <a:lstStyle/>
-          <a:p>
-            <a:r>
-              <a:rPr lang="en-CA" dirty="0"/>
-              <a:t>Winter 2022</a:t>
-            </a:r>
-          </a:p>
-        </p:txBody>
-      </p:sp>
-      <p:sp>
-        <p:nvSpPr>
           <p:cNvPr id="10" name="Footer Placeholder 9"/>
           <p:cNvSpPr>
             <a:spLocks noGrp="1"/>
@@ -22461,7 +22230,7 @@
     </p:spTree>
     <p:extLst>
       <p:ext uri="{BB962C8B-B14F-4D97-AF65-F5344CB8AC3E}">
-        <p14:creationId xmlns:p14="http://schemas.microsoft.com/office/powerpoint/2010/main" val="3475620812"/>
+        <p14:creationId xmlns:p14="http://schemas.microsoft.com/office/powerpoint/2010/main" xmlns="" val="3475620812"/>
       </p:ext>
     </p:extLst>
   </p:cSld>
@@ -22697,28 +22466,6 @@
       </p:sp>
       <p:sp>
         <p:nvSpPr>
-          <p:cNvPr id="6" name="Date Placeholder 5"/>
-          <p:cNvSpPr>
-            <a:spLocks noGrp="1"/>
-          </p:cNvSpPr>
-          <p:nvPr>
-            <p:ph type="dt" sz="half" idx="2"/>
-          </p:nvPr>
-        </p:nvSpPr>
-        <p:spPr/>
-        <p:txBody>
-          <a:bodyPr/>
-          <a:lstStyle/>
-          <a:p>
-            <a:r>
-              <a:rPr lang="en-CA" dirty="0"/>
-              <a:t>Winter 2022</a:t>
-            </a:r>
-          </a:p>
-        </p:txBody>
-      </p:sp>
-      <p:sp>
-        <p:nvSpPr>
           <p:cNvPr id="10" name="Footer Placeholder 9"/>
           <p:cNvSpPr>
             <a:spLocks noGrp="1"/>
@@ -22769,7 +22516,7 @@
     </p:spTree>
     <p:extLst>
       <p:ext uri="{BB962C8B-B14F-4D97-AF65-F5344CB8AC3E}">
-        <p14:creationId xmlns:p14="http://schemas.microsoft.com/office/powerpoint/2010/main" val="951659939"/>
+        <p14:creationId xmlns:p14="http://schemas.microsoft.com/office/powerpoint/2010/main" xmlns="" val="951659939"/>
       </p:ext>
     </p:extLst>
   </p:cSld>
@@ -23188,28 +22935,6 @@
       </p:sp>
       <p:sp>
         <p:nvSpPr>
-          <p:cNvPr id="6" name="Date Placeholder 5"/>
-          <p:cNvSpPr>
-            <a:spLocks noGrp="1"/>
-          </p:cNvSpPr>
-          <p:nvPr>
-            <p:ph type="dt" sz="half" idx="2"/>
-          </p:nvPr>
-        </p:nvSpPr>
-        <p:spPr/>
-        <p:txBody>
-          <a:bodyPr/>
-          <a:lstStyle/>
-          <a:p>
-            <a:r>
-              <a:rPr lang="en-CA" dirty="0"/>
-              <a:t>Winter 2022</a:t>
-            </a:r>
-          </a:p>
-        </p:txBody>
-      </p:sp>
-      <p:sp>
-        <p:nvSpPr>
           <p:cNvPr id="10" name="Footer Placeholder 9"/>
           <p:cNvSpPr>
             <a:spLocks noGrp="1"/>
@@ -23260,7 +22985,7 @@
     </p:spTree>
     <p:extLst>
       <p:ext uri="{BB962C8B-B14F-4D97-AF65-F5344CB8AC3E}">
-        <p14:creationId xmlns:p14="http://schemas.microsoft.com/office/powerpoint/2010/main" val="4048448493"/>
+        <p14:creationId xmlns:p14="http://schemas.microsoft.com/office/powerpoint/2010/main" xmlns="" val="4048448493"/>
       </p:ext>
     </p:extLst>
   </p:cSld>
@@ -23732,28 +23457,6 @@
       </p:sp>
       <p:sp>
         <p:nvSpPr>
-          <p:cNvPr id="6" name="Date Placeholder 5"/>
-          <p:cNvSpPr>
-            <a:spLocks noGrp="1"/>
-          </p:cNvSpPr>
-          <p:nvPr>
-            <p:ph type="dt" sz="half" idx="2"/>
-          </p:nvPr>
-        </p:nvSpPr>
-        <p:spPr/>
-        <p:txBody>
-          <a:bodyPr/>
-          <a:lstStyle/>
-          <a:p>
-            <a:r>
-              <a:rPr lang="en-CA" dirty="0"/>
-              <a:t>Winter 2022</a:t>
-            </a:r>
-          </a:p>
-        </p:txBody>
-      </p:sp>
-      <p:sp>
-        <p:nvSpPr>
           <p:cNvPr id="10" name="Footer Placeholder 9"/>
           <p:cNvSpPr>
             <a:spLocks noGrp="1"/>
@@ -23804,7 +23507,7 @@
     </p:spTree>
     <p:extLst>
       <p:ext uri="{BB962C8B-B14F-4D97-AF65-F5344CB8AC3E}">
-        <p14:creationId xmlns:p14="http://schemas.microsoft.com/office/powerpoint/2010/main" val="1578058251"/>
+        <p14:creationId xmlns:p14="http://schemas.microsoft.com/office/powerpoint/2010/main" xmlns="" val="1578058251"/>
       </p:ext>
     </p:extLst>
   </p:cSld>
@@ -24037,28 +23740,6 @@
       </p:sp>
       <p:sp>
         <p:nvSpPr>
-          <p:cNvPr id="6" name="Date Placeholder 5"/>
-          <p:cNvSpPr>
-            <a:spLocks noGrp="1"/>
-          </p:cNvSpPr>
-          <p:nvPr>
-            <p:ph type="dt" sz="half" idx="2"/>
-          </p:nvPr>
-        </p:nvSpPr>
-        <p:spPr/>
-        <p:txBody>
-          <a:bodyPr/>
-          <a:lstStyle/>
-          <a:p>
-            <a:r>
-              <a:rPr lang="en-CA" dirty="0"/>
-              <a:t>Winter 2022</a:t>
-            </a:r>
-          </a:p>
-        </p:txBody>
-      </p:sp>
-      <p:sp>
-        <p:nvSpPr>
           <p:cNvPr id="10" name="Footer Placeholder 9"/>
           <p:cNvSpPr>
             <a:spLocks noGrp="1"/>
@@ -24109,7 +23790,7 @@
     </p:spTree>
     <p:extLst>
       <p:ext uri="{BB962C8B-B14F-4D97-AF65-F5344CB8AC3E}">
-        <p14:creationId xmlns:p14="http://schemas.microsoft.com/office/powerpoint/2010/main" val="649184941"/>
+        <p14:creationId xmlns:p14="http://schemas.microsoft.com/office/powerpoint/2010/main" xmlns="" val="649184941"/>
       </p:ext>
     </p:extLst>
   </p:cSld>
@@ -24378,28 +24059,6 @@
       </p:sp>
       <p:sp>
         <p:nvSpPr>
-          <p:cNvPr id="6" name="Date Placeholder 5"/>
-          <p:cNvSpPr>
-            <a:spLocks noGrp="1"/>
-          </p:cNvSpPr>
-          <p:nvPr>
-            <p:ph type="dt" sz="half" idx="2"/>
-          </p:nvPr>
-        </p:nvSpPr>
-        <p:spPr/>
-        <p:txBody>
-          <a:bodyPr/>
-          <a:lstStyle/>
-          <a:p>
-            <a:r>
-              <a:rPr lang="en-CA" dirty="0"/>
-              <a:t>Winter 2022</a:t>
-            </a:r>
-          </a:p>
-        </p:txBody>
-      </p:sp>
-      <p:sp>
-        <p:nvSpPr>
           <p:cNvPr id="10" name="Footer Placeholder 9"/>
           <p:cNvSpPr>
             <a:spLocks noGrp="1"/>
@@ -24450,7 +24109,7 @@
     </p:spTree>
     <p:extLst>
       <p:ext uri="{BB962C8B-B14F-4D97-AF65-F5344CB8AC3E}">
-        <p14:creationId xmlns:p14="http://schemas.microsoft.com/office/powerpoint/2010/main" val="1435777542"/>
+        <p14:creationId xmlns:p14="http://schemas.microsoft.com/office/powerpoint/2010/main" xmlns="" val="1435777542"/>
       </p:ext>
     </p:extLst>
   </p:cSld>
@@ -24687,6 +24346,15 @@
               <a:rPr lang="en-US" altLang="en-US" dirty="0"/>
               <a:t>, it’s usually better to use</a:t>
             </a:r>
+            <a:r>
+              <a:rPr lang="en-US" altLang="en-US" dirty="0">
+                <a:solidFill>
+                  <a:schemeClr val="accent2"/>
+                </a:solidFill>
+                <a:latin typeface="Trebuchet MS" panose="020B0603020202020204" pitchFamily="34" charset="0"/>
+              </a:rPr>
+              <a:t/>
+            </a:r>
             <a:br>
               <a:rPr lang="en-US" altLang="en-US" dirty="0">
                 <a:solidFill>
@@ -24862,28 +24530,6 @@
               </a:solidFill>
               <a:latin typeface="Trebuchet MS" panose="020B0603020202020204" pitchFamily="34" charset="0"/>
             </a:endParaRPr>
-          </a:p>
-        </p:txBody>
-      </p:sp>
-      <p:sp>
-        <p:nvSpPr>
-          <p:cNvPr id="6" name="Date Placeholder 5"/>
-          <p:cNvSpPr>
-            <a:spLocks noGrp="1"/>
-          </p:cNvSpPr>
-          <p:nvPr>
-            <p:ph type="dt" sz="half" idx="2"/>
-          </p:nvPr>
-        </p:nvSpPr>
-        <p:spPr/>
-        <p:txBody>
-          <a:bodyPr/>
-          <a:lstStyle/>
-          <a:p>
-            <a:r>
-              <a:rPr lang="en-CA" dirty="0"/>
-              <a:t>Winter 2022</a:t>
-            </a:r>
           </a:p>
         </p:txBody>
       </p:sp>
@@ -24939,7 +24585,7 @@
     </p:spTree>
     <p:extLst>
       <p:ext uri="{BB962C8B-B14F-4D97-AF65-F5344CB8AC3E}">
-        <p14:creationId xmlns:p14="http://schemas.microsoft.com/office/powerpoint/2010/main" val="997206608"/>
+        <p14:creationId xmlns:p14="http://schemas.microsoft.com/office/powerpoint/2010/main" xmlns="" val="997206608"/>
       </p:ext>
     </p:extLst>
   </p:cSld>
@@ -25026,28 +24672,6 @@
       </p:sp>
       <p:sp>
         <p:nvSpPr>
-          <p:cNvPr id="6" name="Date Placeholder 5"/>
-          <p:cNvSpPr>
-            <a:spLocks noGrp="1"/>
-          </p:cNvSpPr>
-          <p:nvPr>
-            <p:ph type="dt" sz="half" idx="2"/>
-          </p:nvPr>
-        </p:nvSpPr>
-        <p:spPr/>
-        <p:txBody>
-          <a:bodyPr/>
-          <a:lstStyle/>
-          <a:p>
-            <a:r>
-              <a:rPr lang="en-CA" dirty="0"/>
-              <a:t>Winter 2022</a:t>
-            </a:r>
-          </a:p>
-        </p:txBody>
-      </p:sp>
-      <p:sp>
-        <p:nvSpPr>
           <p:cNvPr id="10" name="Footer Placeholder 9"/>
           <p:cNvSpPr>
             <a:spLocks noGrp="1"/>
@@ -25100,7 +24724,7 @@
           <p:cNvPr id="4" name="Group 3">
             <a:extLst>
               <a:ext uri="{FF2B5EF4-FFF2-40B4-BE49-F238E27FC236}">
-                <a16:creationId xmlns:a16="http://schemas.microsoft.com/office/drawing/2014/main" id="{5F34C31F-8A17-4CFE-87F3-0D0CA808183F}"/>
+                <a16:creationId xmlns:a16="http://schemas.microsoft.com/office/drawing/2014/main" xmlns="" id="{5F34C31F-8A17-4CFE-87F3-0D0CA808183F}"/>
               </a:ext>
             </a:extLst>
           </p:cNvPr>
@@ -25120,7 +24744,7 @@
             <p:cNvPr id="23" name="Object 2">
               <a:extLst>
                 <a:ext uri="{FF2B5EF4-FFF2-40B4-BE49-F238E27FC236}">
-                  <a16:creationId xmlns:a16="http://schemas.microsoft.com/office/drawing/2014/main" id="{366B98DF-D623-40D2-ABC8-618031860887}"/>
+                  <a16:creationId xmlns:a16="http://schemas.microsoft.com/office/drawing/2014/main" xmlns="" id="{366B98DF-D623-40D2-ABC8-618031860887}"/>
                 </a:ext>
               </a:extLst>
             </p:cNvPr>
@@ -25130,7 +24754,7 @@
             <p:nvPr>
               <p:extLst>
                 <p:ext uri="{D42A27DB-BD31-4B8C-83A1-F6EECF244321}">
-                  <p14:modId xmlns:p14="http://schemas.microsoft.com/office/powerpoint/2010/main" val="2728451977"/>
+                  <p14:modId xmlns:p14="http://schemas.microsoft.com/office/powerpoint/2010/main" xmlns="" val="2728451977"/>
                 </p:ext>
               </p:extLst>
             </p:nvPr>
@@ -25141,88 +24765,9 @@
           </p:xfrm>
           <a:graphic>
             <a:graphicData uri="http://schemas.openxmlformats.org/presentationml/2006/ole">
-              <mc:AlternateContent xmlns:mc="http://schemas.openxmlformats.org/markup-compatibility/2006">
-                <mc:Choice xmlns:v="urn:schemas-microsoft-com:vml" Requires="v">
-                  <p:oleObj spid="_x0000_s1028" name="Bitmap Image" r:id="rId3" imgW="3820058" imgH="2409524" progId="Paint.Picture">
-                    <p:embed/>
-                  </p:oleObj>
-                </mc:Choice>
-                <mc:Fallback>
-                  <p:oleObj name="Bitmap Image" r:id="rId3" imgW="3820058" imgH="2409524" progId="Paint.Picture">
-                    <p:embed/>
-                    <p:pic>
-                      <p:nvPicPr>
-                        <p:cNvPr id="23556" name="Object 2">
-                          <a:extLst>
-                            <a:ext uri="{FF2B5EF4-FFF2-40B4-BE49-F238E27FC236}">
-                              <a16:creationId xmlns:a16="http://schemas.microsoft.com/office/drawing/2014/main" id="{2BA410E0-65EF-4C19-9DA5-160B49390AD6}"/>
-                            </a:ext>
-                          </a:extLst>
-                        </p:cNvPr>
-                        <p:cNvPicPr>
-                          <a:picLocks noChangeAspect="1" noChangeArrowheads="1"/>
-                        </p:cNvPicPr>
-                        <p:nvPr/>
-                      </p:nvPicPr>
-                      <p:blipFill>
-                        <a:blip r:embed="rId4">
-                          <a:extLst>
-                            <a:ext uri="{28A0092B-C50C-407E-A947-70E740481C1C}">
-                              <a14:useLocalDpi xmlns:a14="http://schemas.microsoft.com/office/drawing/2010/main" val="0"/>
-                            </a:ext>
-                          </a:extLst>
-                        </a:blip>
-                        <a:srcRect/>
-                        <a:stretch>
-                          <a:fillRect/>
-                        </a:stretch>
-                      </p:blipFill>
-                      <p:spPr bwMode="auto">
-                        <a:xfrm>
-                          <a:off x="990600" y="1524000"/>
-                          <a:ext cx="7162800" cy="4518025"/>
-                        </a:xfrm>
-                        <a:prstGeom prst="rect">
-                          <a:avLst/>
-                        </a:prstGeom>
-                        <a:noFill/>
-                        <a:ln>
-                          <a:noFill/>
-                        </a:ln>
-                        <a:effectLst/>
-                        <a:extLst>
-                          <a:ext uri="{909E8E84-426E-40DD-AFC4-6F175D3DCCD1}">
-                            <a14:hiddenFill xmlns:a14="http://schemas.microsoft.com/office/drawing/2010/main">
-                              <a:solidFill>
-                                <a:schemeClr val="accent1"/>
-                              </a:solidFill>
-                            </a14:hiddenFill>
-                          </a:ext>
-                          <a:ext uri="{91240B29-F687-4F45-9708-019B960494DF}">
-                            <a14:hiddenLine xmlns:a14="http://schemas.microsoft.com/office/drawing/2010/main" w="12700">
-                              <a:solidFill>
-                                <a:schemeClr val="tx1"/>
-                              </a:solidFill>
-                              <a:miter lim="800000"/>
-                              <a:headEnd type="none" w="sm" len="sm"/>
-                              <a:tailEnd type="none" w="sm" len="sm"/>
-                            </a14:hiddenLine>
-                          </a:ext>
-                          <a:ext uri="{AF507438-7753-43E0-B8FC-AC1667EBCBE1}">
-                            <a14:hiddenEffects xmlns:a14="http://schemas.microsoft.com/office/drawing/2010/main">
-                              <a:effectLst>
-                                <a:outerShdw dist="35921" dir="2700000" algn="ctr" rotWithShape="0">
-                                  <a:schemeClr val="bg2"/>
-                                </a:outerShdw>
-                              </a:effectLst>
-                            </a14:hiddenEffects>
-                          </a:ext>
-                        </a:extLst>
-                      </p:spPr>
-                    </p:pic>
-                  </p:oleObj>
-                </mc:Fallback>
-              </mc:AlternateContent>
+              <p:oleObj spid="_x0000_s1028" name="Bitmap Image" r:id="rId3" imgW="3820058" imgH="2409524" progId="PBrush">
+                <p:embed/>
+              </p:oleObj>
             </a:graphicData>
           </a:graphic>
         </p:graphicFrame>
@@ -25231,7 +24776,7 @@
             <p:cNvPr id="24" name="AutoShape 9">
               <a:extLst>
                 <a:ext uri="{FF2B5EF4-FFF2-40B4-BE49-F238E27FC236}">
-                  <a16:creationId xmlns:a16="http://schemas.microsoft.com/office/drawing/2014/main" id="{A0B0A850-E0E2-40F6-92CC-356D4E1A9F60}"/>
+                  <a16:creationId xmlns:a16="http://schemas.microsoft.com/office/drawing/2014/main" xmlns="" id="{A0B0A850-E0E2-40F6-92CC-356D4E1A9F60}"/>
                 </a:ext>
               </a:extLst>
             </p:cNvPr>
@@ -25398,7 +24943,7 @@
             <p:cNvPr id="25" name="AutoShape 10">
               <a:extLst>
                 <a:ext uri="{FF2B5EF4-FFF2-40B4-BE49-F238E27FC236}">
-                  <a16:creationId xmlns:a16="http://schemas.microsoft.com/office/drawing/2014/main" id="{86FDCE66-6686-4605-98EE-FF08461E52FF}"/>
+                  <a16:creationId xmlns:a16="http://schemas.microsoft.com/office/drawing/2014/main" xmlns="" id="{86FDCE66-6686-4605-98EE-FF08461E52FF}"/>
                 </a:ext>
               </a:extLst>
             </p:cNvPr>
@@ -25571,7 +25116,7 @@
             <p:cNvPr id="26" name="AutoShape 11">
               <a:extLst>
                 <a:ext uri="{FF2B5EF4-FFF2-40B4-BE49-F238E27FC236}">
-                  <a16:creationId xmlns:a16="http://schemas.microsoft.com/office/drawing/2014/main" id="{38D68D35-82F2-4D00-BFEC-1909A24F1FAA}"/>
+                  <a16:creationId xmlns:a16="http://schemas.microsoft.com/office/drawing/2014/main" xmlns="" id="{38D68D35-82F2-4D00-BFEC-1909A24F1FAA}"/>
                 </a:ext>
               </a:extLst>
             </p:cNvPr>
@@ -25738,7 +25283,7 @@
             <p:cNvPr id="27" name="AutoShape 12">
               <a:extLst>
                 <a:ext uri="{FF2B5EF4-FFF2-40B4-BE49-F238E27FC236}">
-                  <a16:creationId xmlns:a16="http://schemas.microsoft.com/office/drawing/2014/main" id="{BDE28906-D654-4FC4-B363-A3398F913A3C}"/>
+                  <a16:creationId xmlns:a16="http://schemas.microsoft.com/office/drawing/2014/main" xmlns="" id="{BDE28906-D654-4FC4-B363-A3398F913A3C}"/>
                 </a:ext>
               </a:extLst>
             </p:cNvPr>
@@ -25911,7 +25456,7 @@
             <p:cNvPr id="28" name="AutoShape 13">
               <a:extLst>
                 <a:ext uri="{FF2B5EF4-FFF2-40B4-BE49-F238E27FC236}">
-                  <a16:creationId xmlns:a16="http://schemas.microsoft.com/office/drawing/2014/main" id="{40F8B791-83C7-4A67-9A23-A1C49045AAAE}"/>
+                  <a16:creationId xmlns:a16="http://schemas.microsoft.com/office/drawing/2014/main" xmlns="" id="{40F8B791-83C7-4A67-9A23-A1C49045AAAE}"/>
                 </a:ext>
               </a:extLst>
             </p:cNvPr>
@@ -26078,7 +25623,7 @@
             <p:cNvPr id="29" name="AutoShape 14">
               <a:extLst>
                 <a:ext uri="{FF2B5EF4-FFF2-40B4-BE49-F238E27FC236}">
-                  <a16:creationId xmlns:a16="http://schemas.microsoft.com/office/drawing/2014/main" id="{58158497-2E65-4D0C-9C98-29621DF26159}"/>
+                  <a16:creationId xmlns:a16="http://schemas.microsoft.com/office/drawing/2014/main" xmlns="" id="{58158497-2E65-4D0C-9C98-29621DF26159}"/>
                 </a:ext>
               </a:extLst>
             </p:cNvPr>
@@ -26245,7 +25790,7 @@
             <p:cNvPr id="30" name="AutoShape 15">
               <a:extLst>
                 <a:ext uri="{FF2B5EF4-FFF2-40B4-BE49-F238E27FC236}">
-                  <a16:creationId xmlns:a16="http://schemas.microsoft.com/office/drawing/2014/main" id="{B921E3CE-DBFC-4F1E-8F9B-D97DF00AD292}"/>
+                  <a16:creationId xmlns:a16="http://schemas.microsoft.com/office/drawing/2014/main" xmlns="" id="{B921E3CE-DBFC-4F1E-8F9B-D97DF00AD292}"/>
                 </a:ext>
               </a:extLst>
             </p:cNvPr>
@@ -26412,7 +25957,7 @@
             <p:cNvPr id="31" name="AutoShape 16">
               <a:extLst>
                 <a:ext uri="{FF2B5EF4-FFF2-40B4-BE49-F238E27FC236}">
-                  <a16:creationId xmlns:a16="http://schemas.microsoft.com/office/drawing/2014/main" id="{43B14250-3CD1-4493-A67C-ED7932142211}"/>
+                  <a16:creationId xmlns:a16="http://schemas.microsoft.com/office/drawing/2014/main" xmlns="" id="{43B14250-3CD1-4493-A67C-ED7932142211}"/>
                 </a:ext>
               </a:extLst>
             </p:cNvPr>
@@ -26579,7 +26124,7 @@
             <p:cNvPr id="32" name="AutoShape 17">
               <a:extLst>
                 <a:ext uri="{FF2B5EF4-FFF2-40B4-BE49-F238E27FC236}">
-                  <a16:creationId xmlns:a16="http://schemas.microsoft.com/office/drawing/2014/main" id="{303B934E-A4D1-478C-95BC-3F2522FD4848}"/>
+                  <a16:creationId xmlns:a16="http://schemas.microsoft.com/office/drawing/2014/main" xmlns="" id="{303B934E-A4D1-478C-95BC-3F2522FD4848}"/>
                 </a:ext>
               </a:extLst>
             </p:cNvPr>
@@ -26746,7 +26291,7 @@
             <p:cNvPr id="33" name="Group 22">
               <a:extLst>
                 <a:ext uri="{FF2B5EF4-FFF2-40B4-BE49-F238E27FC236}">
-                  <a16:creationId xmlns:a16="http://schemas.microsoft.com/office/drawing/2014/main" id="{CC34FA09-387F-4538-9C7B-B6F4500722E0}"/>
+                  <a16:creationId xmlns:a16="http://schemas.microsoft.com/office/drawing/2014/main" xmlns="" id="{CC34FA09-387F-4538-9C7B-B6F4500722E0}"/>
                 </a:ext>
               </a:extLst>
             </p:cNvPr>
@@ -26768,7 +26313,7 @@
               <p:cNvPr id="34" name="AutoShape 19">
                 <a:extLst>
                   <a:ext uri="{FF2B5EF4-FFF2-40B4-BE49-F238E27FC236}">
-                    <a16:creationId xmlns:a16="http://schemas.microsoft.com/office/drawing/2014/main" id="{ABD7DF4E-DDA0-437D-BAD4-1EC75CA7F643}"/>
+                    <a16:creationId xmlns:a16="http://schemas.microsoft.com/office/drawing/2014/main" xmlns="" id="{ABD7DF4E-DDA0-437D-BAD4-1EC75CA7F643}"/>
                   </a:ext>
                 </a:extLst>
               </p:cNvPr>
@@ -26951,7 +26496,7 @@
               <p:cNvPr id="35" name="AutoShape 20">
                 <a:extLst>
                   <a:ext uri="{FF2B5EF4-FFF2-40B4-BE49-F238E27FC236}">
-                    <a16:creationId xmlns:a16="http://schemas.microsoft.com/office/drawing/2014/main" id="{D03CEDDF-D1DB-472B-8F8F-2DB7E22399FC}"/>
+                    <a16:creationId xmlns:a16="http://schemas.microsoft.com/office/drawing/2014/main" xmlns="" id="{D03CEDDF-D1DB-472B-8F8F-2DB7E22399FC}"/>
                   </a:ext>
                 </a:extLst>
               </p:cNvPr>
@@ -26981,7 +26526,7 @@
               </a:ln>
               <a:extLst>
                 <a:ext uri="{909E8E84-426E-40DD-AFC4-6F175D3DCCD1}">
-                  <a14:hiddenFill xmlns:a14="http://schemas.microsoft.com/office/drawing/2010/main">
+                  <a14:hiddenFill xmlns:a14="http://schemas.microsoft.com/office/drawing/2010/main" xmlns="">
                     <a:solidFill>
                       <a:srgbClr val="FFFFFF"/>
                     </a:solidFill>
@@ -27138,7 +26683,7 @@
             <p:cNvPr id="36" name="AutoShape 18">
               <a:extLst>
                 <a:ext uri="{FF2B5EF4-FFF2-40B4-BE49-F238E27FC236}">
-                  <a16:creationId xmlns:a16="http://schemas.microsoft.com/office/drawing/2014/main" id="{A3126EB7-9EFF-49CF-82A5-3437BDB9FCFA}"/>
+                  <a16:creationId xmlns:a16="http://schemas.microsoft.com/office/drawing/2014/main" xmlns="" id="{A3126EB7-9EFF-49CF-82A5-3437BDB9FCFA}"/>
                 </a:ext>
               </a:extLst>
             </p:cNvPr>
@@ -27304,7 +26849,7 @@
     </p:spTree>
     <p:extLst>
       <p:ext uri="{BB962C8B-B14F-4D97-AF65-F5344CB8AC3E}">
-        <p14:creationId xmlns:p14="http://schemas.microsoft.com/office/powerpoint/2010/main" val="1364115844"/>
+        <p14:creationId xmlns:p14="http://schemas.microsoft.com/office/powerpoint/2010/main" xmlns="" val="1364115844"/>
       </p:ext>
     </p:extLst>
   </p:cSld>
@@ -28501,28 +28046,6 @@
       </p:sp>
       <p:sp>
         <p:nvSpPr>
-          <p:cNvPr id="6" name="Date Placeholder 5"/>
-          <p:cNvSpPr>
-            <a:spLocks noGrp="1"/>
-          </p:cNvSpPr>
-          <p:nvPr>
-            <p:ph type="dt" sz="half" idx="2"/>
-          </p:nvPr>
-        </p:nvSpPr>
-        <p:spPr/>
-        <p:txBody>
-          <a:bodyPr/>
-          <a:lstStyle/>
-          <a:p>
-            <a:r>
-              <a:rPr lang="en-CA" dirty="0"/>
-              <a:t>Winter 2022</a:t>
-            </a:r>
-          </a:p>
-        </p:txBody>
-      </p:sp>
-      <p:sp>
-        <p:nvSpPr>
           <p:cNvPr id="10" name="Footer Placeholder 9"/>
           <p:cNvSpPr>
             <a:spLocks noGrp="1"/>
@@ -28573,7 +28096,7 @@
     </p:spTree>
     <p:extLst>
       <p:ext uri="{BB962C8B-B14F-4D97-AF65-F5344CB8AC3E}">
-        <p14:creationId xmlns:p14="http://schemas.microsoft.com/office/powerpoint/2010/main" val="831713103"/>
+        <p14:creationId xmlns:p14="http://schemas.microsoft.com/office/powerpoint/2010/main" xmlns="" val="831713103"/>
       </p:ext>
     </p:extLst>
   </p:cSld>
@@ -28666,28 +28189,6 @@
       </p:sp>
       <p:sp>
         <p:nvSpPr>
-          <p:cNvPr id="6" name="Date Placeholder 5"/>
-          <p:cNvSpPr>
-            <a:spLocks noGrp="1"/>
-          </p:cNvSpPr>
-          <p:nvPr>
-            <p:ph type="dt" sz="half" idx="2"/>
-          </p:nvPr>
-        </p:nvSpPr>
-        <p:spPr/>
-        <p:txBody>
-          <a:bodyPr/>
-          <a:lstStyle/>
-          <a:p>
-            <a:r>
-              <a:rPr lang="en-CA" dirty="0"/>
-              <a:t>Winter 2022</a:t>
-            </a:r>
-          </a:p>
-        </p:txBody>
-      </p:sp>
-      <p:sp>
-        <p:nvSpPr>
           <p:cNvPr id="10" name="Footer Placeholder 9"/>
           <p:cNvSpPr>
             <a:spLocks noGrp="1"/>
@@ -28740,7 +28241,7 @@
           <p:cNvPr id="9" name="Rectangle 3">
             <a:extLst>
               <a:ext uri="{FF2B5EF4-FFF2-40B4-BE49-F238E27FC236}">
-                <a16:creationId xmlns:a16="http://schemas.microsoft.com/office/drawing/2014/main" id="{F4BA8BEE-C60F-4759-9465-FBCD458AB14C}"/>
+                <a16:creationId xmlns:a16="http://schemas.microsoft.com/office/drawing/2014/main" xmlns="" id="{F4BA8BEE-C60F-4759-9465-FBCD458AB14C}"/>
               </a:ext>
             </a:extLst>
           </p:cNvPr>
@@ -28763,14 +28264,14 @@
           </a:ln>
           <a:extLst>
             <a:ext uri="{909E8E84-426E-40DD-AFC4-6F175D3DCCD1}">
-              <a14:hiddenFill xmlns:a14="http://schemas.microsoft.com/office/drawing/2010/main">
+              <a14:hiddenFill xmlns:a14="http://schemas.microsoft.com/office/drawing/2010/main" xmlns="">
                 <a:solidFill>
                   <a:srgbClr val="FFFFFF"/>
                 </a:solidFill>
               </a14:hiddenFill>
             </a:ext>
             <a:ext uri="{91240B29-F687-4F45-9708-019B960494DF}">
-              <a14:hiddenLine xmlns:a14="http://schemas.microsoft.com/office/drawing/2010/main" w="9525">
+              <a14:hiddenLine xmlns:a14="http://schemas.microsoft.com/office/drawing/2010/main" xmlns="" w="9525">
                 <a:solidFill>
                   <a:srgbClr val="000000"/>
                 </a:solidFill>
@@ -29845,7 +29346,7 @@
           <p:cNvPr id="11" name="Picture 4">
             <a:extLst>
               <a:ext uri="{FF2B5EF4-FFF2-40B4-BE49-F238E27FC236}">
-                <a16:creationId xmlns:a16="http://schemas.microsoft.com/office/drawing/2014/main" id="{4902BB3B-D0A9-490E-A42B-240C730AD5AD}"/>
+                <a16:creationId xmlns:a16="http://schemas.microsoft.com/office/drawing/2014/main" xmlns="" id="{4902BB3B-D0A9-490E-A42B-240C730AD5AD}"/>
               </a:ext>
             </a:extLst>
           </p:cNvPr>
@@ -29858,7 +29359,7 @@
           <a:blip r:embed="rId2">
             <a:extLst>
               <a:ext uri="{28A0092B-C50C-407E-A947-70E740481C1C}">
-                <a14:useLocalDpi xmlns:a14="http://schemas.microsoft.com/office/drawing/2010/main" val="0"/>
+                <a14:useLocalDpi xmlns:a14="http://schemas.microsoft.com/office/drawing/2010/main" xmlns="" val="0"/>
               </a:ext>
             </a:extLst>
           </a:blip>
@@ -29881,14 +29382,14 @@
           </a:ln>
           <a:extLst>
             <a:ext uri="{909E8E84-426E-40DD-AFC4-6F175D3DCCD1}">
-              <a14:hiddenFill xmlns:a14="http://schemas.microsoft.com/office/drawing/2010/main">
+              <a14:hiddenFill xmlns:a14="http://schemas.microsoft.com/office/drawing/2010/main" xmlns="">
                 <a:solidFill>
                   <a:srgbClr val="FFFFFF"/>
                 </a:solidFill>
               </a14:hiddenFill>
             </a:ext>
             <a:ext uri="{91240B29-F687-4F45-9708-019B960494DF}">
-              <a14:hiddenLine xmlns:a14="http://schemas.microsoft.com/office/drawing/2010/main" w="9525">
+              <a14:hiddenLine xmlns:a14="http://schemas.microsoft.com/office/drawing/2010/main" xmlns="" w="9525">
                 <a:solidFill>
                   <a:srgbClr val="000000"/>
                 </a:solidFill>
@@ -29903,7 +29404,7 @@
     </p:spTree>
     <p:extLst>
       <p:ext uri="{BB962C8B-B14F-4D97-AF65-F5344CB8AC3E}">
-        <p14:creationId xmlns:p14="http://schemas.microsoft.com/office/powerpoint/2010/main" val="3252093137"/>
+        <p14:creationId xmlns:p14="http://schemas.microsoft.com/office/powerpoint/2010/main" xmlns="" val="3252093137"/>
       </p:ext>
     </p:extLst>
   </p:cSld>
@@ -30031,7 +29532,7 @@
     </a:clrScheme>
     <a:fontScheme name="Office">
       <a:majorFont>
-        <a:latin typeface="Calibri Light" panose="020F0302020204030204"/>
+        <a:latin typeface="Calibri Light"/>
         <a:ea typeface=""/>
         <a:cs typeface=""/>
         <a:font script="Jpan" typeface="游ゴシック Light"/>
@@ -30083,7 +29584,7 @@
         <a:font script="Tfng" typeface="Ebrima"/>
       </a:majorFont>
       <a:minorFont>
-        <a:latin typeface="Calibri" panose="020F0502020204030204"/>
+        <a:latin typeface="Calibri"/>
         <a:ea typeface=""/>
         <a:cs typeface=""/>
         <a:font script="Jpan" typeface="游ゴシック"/>
@@ -30277,7 +29778,7 @@
   <a:extraClrSchemeLst/>
   <a:extLst>
     <a:ext uri="{05A4C25C-085E-4340-85A3-A5531E510DB2}">
-      <thm15:themeFamily xmlns:thm15="http://schemas.microsoft.com/office/thememl/2012/main" name="eye_tracker_presentation" id="{00ED1D97-A04B-46A0-BB71-88655A6B057F}" vid="{F36189FA-3966-4852-951E-5734674D1C7B}"/>
+      <thm15:themeFamily xmlns:thm15="http://schemas.microsoft.com/office/thememl/2012/main" xmlns="" name="eye_tracker_presentation" id="{00ED1D97-A04B-46A0-BB71-88655A6B057F}" vid="{F36189FA-3966-4852-951E-5734674D1C7B}"/>
     </a:ext>
   </a:extLst>
 </a:theme>
@@ -30326,7 +29827,7 @@
     </a:clrScheme>
     <a:fontScheme name="Office">
       <a:majorFont>
-        <a:latin typeface="Calibri Light" panose="020F0302020204030204"/>
+        <a:latin typeface="Calibri Light"/>
         <a:ea typeface=""/>
         <a:cs typeface=""/>
         <a:font script="Jpan" typeface="游ゴシック Light"/>
@@ -30378,7 +29879,7 @@
         <a:font script="Tfng" typeface="Ebrima"/>
       </a:majorFont>
       <a:minorFont>
-        <a:latin typeface="Calibri" panose="020F0502020204030204"/>
+        <a:latin typeface="Calibri"/>
         <a:ea typeface=""/>
         <a:cs typeface=""/>
         <a:font script="Jpan" typeface="游ゴシック"/>
@@ -30572,7 +30073,7 @@
   <a:extraClrSchemeLst/>
   <a:extLst>
     <a:ext uri="{05A4C25C-085E-4340-85A3-A5531E510DB2}">
-      <thm15:themeFamily xmlns:thm15="http://schemas.microsoft.com/office/thememl/2012/main" name="Office Theme" id="{62F939B6-93AF-4DB8-9C6B-D6C7DFDC589F}" vid="{4A3C46E8-61CC-4603-A589-7422A47A8E4A}"/>
+      <thm15:themeFamily xmlns:thm15="http://schemas.microsoft.com/office/thememl/2012/main" xmlns="" name="Office Theme" id="{62F939B6-93AF-4DB8-9C6B-D6C7DFDC589F}" vid="{4A3C46E8-61CC-4603-A589-7422A47A8E4A}"/>
     </a:ext>
   </a:extLst>
 </a:theme>

--- a/bishops/cs321/resources/CS321_Lecture_13A.pptx
+++ b/bishops/cs321/resources/CS321_Lecture_13A.pptx
@@ -553,14 +553,6 @@
           <a:bodyPr/>
           <a:lstStyle/>
           <a:p>
-            <a:r>
-              <a:rPr lang="en-CA" dirty="0"/>
-              <a:t>Multi-instrument</a:t>
-            </a:r>
-            <a:r>
-              <a:rPr lang="en-CA" baseline="0" dirty="0"/>
-              <a:t> / Multi-instrument Inter-process (minus the)-with Eye Trackers-</a:t>
-            </a:r>
             <a:endParaRPr lang="en-CA" dirty="0"/>
           </a:p>
         </p:txBody>
